--- a/Presentation/Great Outdoors Group – B_AkhilFinal.pptx
+++ b/Presentation/Great Outdoors Group – B_AkhilFinal.pptx
@@ -7,11 +7,13 @@
   <p:sldIdLst>
     <p:sldId id="256" r:id="rId2"/>
     <p:sldId id="257" r:id="rId3"/>
-    <p:sldId id="259" r:id="rId4"/>
-    <p:sldId id="260" r:id="rId5"/>
-    <p:sldId id="261" r:id="rId6"/>
-    <p:sldId id="262" r:id="rId7"/>
-    <p:sldId id="263" r:id="rId8"/>
+    <p:sldId id="267" r:id="rId4"/>
+    <p:sldId id="264" r:id="rId5"/>
+    <p:sldId id="265" r:id="rId6"/>
+    <p:sldId id="266" r:id="rId7"/>
+    <p:sldId id="261" r:id="rId8"/>
+    <p:sldId id="262" r:id="rId9"/>
+    <p:sldId id="263" r:id="rId10"/>
   </p:sldIdLst>
   <p:sldSz cx="12192000" cy="6858000"/>
   <p:notesSz cx="6858000" cy="9144000"/>
@@ -168,7 +170,7 @@
           <a:noFill/>
           <a:extLst>
             <a:ext uri="{909E8E84-426E-40dd-AFC4-6F175D3DCCD1}">
-              <a14:hiddenFill xmlns:a14="http://schemas.microsoft.com/office/drawing/2010/main" xmlns="">
+              <a14:hiddenFill xmlns="" xmlns:a14="http://schemas.microsoft.com/office/drawing/2010/main">
                 <a:solidFill>
                   <a:srgbClr val="FFFFFF"/>
                 </a:solidFill>
@@ -228,7 +230,7 @@
             </a:ln>
             <a:extLst>
               <a:ext uri="{91240B29-F687-4f45-9708-019B960494DF}">
-                <a14:hiddenLine xmlns:a14="http://schemas.microsoft.com/office/drawing/2010/main" xmlns="" w="9525">
+                <a14:hiddenLine xmlns="" xmlns:a14="http://schemas.microsoft.com/office/drawing/2010/main" w="9525">
                   <a:solidFill>
                     <a:srgbClr val="000000"/>
                   </a:solidFill>
@@ -318,7 +320,7 @@
             </a:ln>
             <a:extLst>
               <a:ext uri="{91240B29-F687-4f45-9708-019B960494DF}">
-                <a14:hiddenLine xmlns:a14="http://schemas.microsoft.com/office/drawing/2010/main" xmlns="" w="9525">
+                <a14:hiddenLine xmlns="" xmlns:a14="http://schemas.microsoft.com/office/drawing/2010/main" w="9525">
                   <a:solidFill>
                     <a:srgbClr val="000000"/>
                   </a:solidFill>
@@ -408,7 +410,7 @@
             </a:ln>
             <a:extLst>
               <a:ext uri="{91240B29-F687-4f45-9708-019B960494DF}">
-                <a14:hiddenLine xmlns:a14="http://schemas.microsoft.com/office/drawing/2010/main" xmlns="" w="9525">
+                <a14:hiddenLine xmlns="" xmlns:a14="http://schemas.microsoft.com/office/drawing/2010/main" w="9525">
                   <a:solidFill>
                     <a:srgbClr val="000000"/>
                   </a:solidFill>
@@ -442,7 +444,7 @@
             </a:ln>
             <a:extLst>
               <a:ext uri="{91240B29-F687-4f45-9708-019B960494DF}">
-                <a14:hiddenLine xmlns:a14="http://schemas.microsoft.com/office/drawing/2010/main" xmlns="" w="9525">
+                <a14:hiddenLine xmlns="" xmlns:a14="http://schemas.microsoft.com/office/drawing/2010/main" w="9525">
                   <a:solidFill>
                     <a:srgbClr val="000000"/>
                   </a:solidFill>
@@ -532,7 +534,7 @@
             </a:ln>
             <a:extLst>
               <a:ext uri="{91240B29-F687-4f45-9708-019B960494DF}">
-                <a14:hiddenLine xmlns:a14="http://schemas.microsoft.com/office/drawing/2010/main" xmlns="" w="9525">
+                <a14:hiddenLine xmlns="" xmlns:a14="http://schemas.microsoft.com/office/drawing/2010/main" w="9525">
                   <a:solidFill>
                     <a:srgbClr val="000000"/>
                   </a:solidFill>
@@ -594,7 +596,7 @@
             </a:ln>
             <a:extLst>
               <a:ext uri="{91240B29-F687-4f45-9708-019B960494DF}">
-                <a14:hiddenLine xmlns:a14="http://schemas.microsoft.com/office/drawing/2010/main" xmlns="" w="9525">
+                <a14:hiddenLine xmlns="" xmlns:a14="http://schemas.microsoft.com/office/drawing/2010/main" w="9525">
                   <a:solidFill>
                     <a:srgbClr val="000000"/>
                   </a:solidFill>
@@ -656,7 +658,7 @@
             </a:ln>
             <a:extLst>
               <a:ext uri="{91240B29-F687-4f45-9708-019B960494DF}">
-                <a14:hiddenLine xmlns:a14="http://schemas.microsoft.com/office/drawing/2010/main" xmlns="" w="9525">
+                <a14:hiddenLine xmlns="" xmlns:a14="http://schemas.microsoft.com/office/drawing/2010/main" w="9525">
                   <a:solidFill>
                     <a:srgbClr val="000000"/>
                   </a:solidFill>
@@ -746,7 +748,7 @@
             </a:ln>
             <a:extLst>
               <a:ext uri="{91240B29-F687-4f45-9708-019B960494DF}">
-                <a14:hiddenLine xmlns:a14="http://schemas.microsoft.com/office/drawing/2010/main" xmlns="" w="9525">
+                <a14:hiddenLine xmlns="" xmlns:a14="http://schemas.microsoft.com/office/drawing/2010/main" w="9525">
                   <a:solidFill>
                     <a:srgbClr val="000000"/>
                   </a:solidFill>
@@ -808,7 +810,7 @@
             </a:ln>
             <a:extLst>
               <a:ext uri="{91240B29-F687-4f45-9708-019B960494DF}">
-                <a14:hiddenLine xmlns:a14="http://schemas.microsoft.com/office/drawing/2010/main" xmlns="" w="9525">
+                <a14:hiddenLine xmlns="" xmlns:a14="http://schemas.microsoft.com/office/drawing/2010/main" w="9525">
                   <a:solidFill>
                     <a:srgbClr val="000000"/>
                   </a:solidFill>
@@ -870,7 +872,7 @@
             </a:ln>
             <a:extLst>
               <a:ext uri="{91240B29-F687-4f45-9708-019B960494DF}">
-                <a14:hiddenLine xmlns:a14="http://schemas.microsoft.com/office/drawing/2010/main" xmlns="" w="9525">
+                <a14:hiddenLine xmlns="" xmlns:a14="http://schemas.microsoft.com/office/drawing/2010/main" w="9525">
                   <a:solidFill>
                     <a:srgbClr val="000000"/>
                   </a:solidFill>
@@ -960,7 +962,7 @@
             </a:ln>
             <a:extLst>
               <a:ext uri="{91240B29-F687-4f45-9708-019B960494DF}">
-                <a14:hiddenLine xmlns:a14="http://schemas.microsoft.com/office/drawing/2010/main" xmlns="" w="9525">
+                <a14:hiddenLine xmlns="" xmlns:a14="http://schemas.microsoft.com/office/drawing/2010/main" w="9525">
                   <a:solidFill>
                     <a:srgbClr val="000000"/>
                   </a:solidFill>
@@ -1050,7 +1052,7 @@
             </a:ln>
             <a:extLst>
               <a:ext uri="{91240B29-F687-4f45-9708-019B960494DF}">
-                <a14:hiddenLine xmlns:a14="http://schemas.microsoft.com/office/drawing/2010/main" xmlns="" w="9525">
+                <a14:hiddenLine xmlns="" xmlns:a14="http://schemas.microsoft.com/office/drawing/2010/main" w="9525">
                   <a:solidFill>
                     <a:srgbClr val="000000"/>
                   </a:solidFill>
@@ -1112,7 +1114,7 @@
             </a:ln>
             <a:extLst>
               <a:ext uri="{91240B29-F687-4f45-9708-019B960494DF}">
-                <a14:hiddenLine xmlns:a14="http://schemas.microsoft.com/office/drawing/2010/main" xmlns="" w="9525">
+                <a14:hiddenLine xmlns="" xmlns:a14="http://schemas.microsoft.com/office/drawing/2010/main" w="9525">
                   <a:solidFill>
                     <a:srgbClr val="000000"/>
                   </a:solidFill>
@@ -1222,7 +1224,7 @@
             </a:ln>
             <a:extLst>
               <a:ext uri="{91240B29-F687-4f45-9708-019B960494DF}">
-                <a14:hiddenLine xmlns:a14="http://schemas.microsoft.com/office/drawing/2010/main" xmlns="" w="9525">
+                <a14:hiddenLine xmlns="" xmlns:a14="http://schemas.microsoft.com/office/drawing/2010/main" w="9525">
                   <a:solidFill>
                     <a:srgbClr val="000000"/>
                   </a:solidFill>
@@ -1284,7 +1286,7 @@
             </a:ln>
             <a:extLst>
               <a:ext uri="{91240B29-F687-4f45-9708-019B960494DF}">
-                <a14:hiddenLine xmlns:a14="http://schemas.microsoft.com/office/drawing/2010/main" xmlns="" w="9525">
+                <a14:hiddenLine xmlns="" xmlns:a14="http://schemas.microsoft.com/office/drawing/2010/main" w="9525">
                   <a:solidFill>
                     <a:srgbClr val="000000"/>
                   </a:solidFill>
@@ -1374,7 +1376,7 @@
             </a:ln>
             <a:extLst>
               <a:ext uri="{91240B29-F687-4f45-9708-019B960494DF}">
-                <a14:hiddenLine xmlns:a14="http://schemas.microsoft.com/office/drawing/2010/main" xmlns="" w="9525">
+                <a14:hiddenLine xmlns="" xmlns:a14="http://schemas.microsoft.com/office/drawing/2010/main" w="9525">
                   <a:solidFill>
                     <a:srgbClr val="000000"/>
                   </a:solidFill>
@@ -1464,7 +1466,7 @@
             </a:ln>
             <a:extLst>
               <a:ext uri="{91240B29-F687-4f45-9708-019B960494DF}">
-                <a14:hiddenLine xmlns:a14="http://schemas.microsoft.com/office/drawing/2010/main" xmlns="" w="9525">
+                <a14:hiddenLine xmlns="" xmlns:a14="http://schemas.microsoft.com/office/drawing/2010/main" w="9525">
                   <a:solidFill>
                     <a:srgbClr val="000000"/>
                   </a:solidFill>
@@ -1526,7 +1528,7 @@
             </a:ln>
             <a:extLst>
               <a:ext uri="{91240B29-F687-4f45-9708-019B960494DF}">
-                <a14:hiddenLine xmlns:a14="http://schemas.microsoft.com/office/drawing/2010/main" xmlns="" w="9525">
+                <a14:hiddenLine xmlns="" xmlns:a14="http://schemas.microsoft.com/office/drawing/2010/main" w="9525">
                   <a:solidFill>
                     <a:srgbClr val="000000"/>
                   </a:solidFill>
@@ -1616,7 +1618,7 @@
             </a:ln>
             <a:extLst>
               <a:ext uri="{91240B29-F687-4f45-9708-019B960494DF}">
-                <a14:hiddenLine xmlns:a14="http://schemas.microsoft.com/office/drawing/2010/main" xmlns="" w="9525">
+                <a14:hiddenLine xmlns="" xmlns:a14="http://schemas.microsoft.com/office/drawing/2010/main" w="9525">
                   <a:solidFill>
                     <a:srgbClr val="000000"/>
                   </a:solidFill>
@@ -1706,7 +1708,7 @@
             </a:ln>
             <a:extLst>
               <a:ext uri="{91240B29-F687-4f45-9708-019B960494DF}">
-                <a14:hiddenLine xmlns:a14="http://schemas.microsoft.com/office/drawing/2010/main" xmlns="" w="9525">
+                <a14:hiddenLine xmlns="" xmlns:a14="http://schemas.microsoft.com/office/drawing/2010/main" w="9525">
                   <a:solidFill>
                     <a:srgbClr val="000000"/>
                   </a:solidFill>
@@ -1762,7 +1764,7 @@
             </a:ln>
             <a:extLst>
               <a:ext uri="{91240B29-F687-4f45-9708-019B960494DF}">
-                <a14:hiddenLine xmlns:a14="http://schemas.microsoft.com/office/drawing/2010/main" xmlns="" w="9525">
+                <a14:hiddenLine xmlns="" xmlns:a14="http://schemas.microsoft.com/office/drawing/2010/main" w="9525">
                   <a:solidFill>
                     <a:srgbClr val="000000"/>
                   </a:solidFill>
@@ -1852,7 +1854,7 @@
             </a:ln>
             <a:extLst>
               <a:ext uri="{91240B29-F687-4f45-9708-019B960494DF}">
-                <a14:hiddenLine xmlns:a14="http://schemas.microsoft.com/office/drawing/2010/main" xmlns="" w="9525">
+                <a14:hiddenLine xmlns="" xmlns:a14="http://schemas.microsoft.com/office/drawing/2010/main" w="9525">
                   <a:solidFill>
                     <a:srgbClr val="000000"/>
                   </a:solidFill>
@@ -1908,7 +1910,7 @@
             </a:ln>
             <a:extLst>
               <a:ext uri="{91240B29-F687-4f45-9708-019B960494DF}">
-                <a14:hiddenLine xmlns:a14="http://schemas.microsoft.com/office/drawing/2010/main" xmlns="" w="9525">
+                <a14:hiddenLine xmlns="" xmlns:a14="http://schemas.microsoft.com/office/drawing/2010/main" w="9525">
                   <a:solidFill>
                     <a:srgbClr val="000000"/>
                   </a:solidFill>
@@ -1998,7 +2000,7 @@
             </a:ln>
             <a:extLst>
               <a:ext uri="{91240B29-F687-4f45-9708-019B960494DF}">
-                <a14:hiddenLine xmlns:a14="http://schemas.microsoft.com/office/drawing/2010/main" xmlns="" w="9525">
+                <a14:hiddenLine xmlns="" xmlns:a14="http://schemas.microsoft.com/office/drawing/2010/main" w="9525">
                   <a:solidFill>
                     <a:srgbClr val="000000"/>
                   </a:solidFill>
@@ -2066,7 +2068,7 @@
             </a:ln>
             <a:extLst>
               <a:ext uri="{91240B29-F687-4f45-9708-019B960494DF}">
-                <a14:hiddenLine xmlns:a14="http://schemas.microsoft.com/office/drawing/2010/main" xmlns="" w="9525">
+                <a14:hiddenLine xmlns="" xmlns:a14="http://schemas.microsoft.com/office/drawing/2010/main" w="9525">
                   <a:solidFill>
                     <a:srgbClr val="000000"/>
                   </a:solidFill>
@@ -2156,7 +2158,7 @@
             </a:ln>
             <a:extLst>
               <a:ext uri="{91240B29-F687-4f45-9708-019B960494DF}">
-                <a14:hiddenLine xmlns:a14="http://schemas.microsoft.com/office/drawing/2010/main" xmlns="" w="9525">
+                <a14:hiddenLine xmlns="" xmlns:a14="http://schemas.microsoft.com/office/drawing/2010/main" w="9525">
                   <a:solidFill>
                     <a:srgbClr val="000000"/>
                   </a:solidFill>
@@ -2224,7 +2226,7 @@
             </a:ln>
             <a:extLst>
               <a:ext uri="{91240B29-F687-4f45-9708-019B960494DF}">
-                <a14:hiddenLine xmlns:a14="http://schemas.microsoft.com/office/drawing/2010/main" xmlns="" w="9525">
+                <a14:hiddenLine xmlns="" xmlns:a14="http://schemas.microsoft.com/office/drawing/2010/main" w="9525">
                   <a:solidFill>
                     <a:srgbClr val="000000"/>
                   </a:solidFill>
@@ -2314,7 +2316,7 @@
             </a:ln>
             <a:extLst>
               <a:ext uri="{91240B29-F687-4f45-9708-019B960494DF}">
-                <a14:hiddenLine xmlns:a14="http://schemas.microsoft.com/office/drawing/2010/main" xmlns="" w="9525">
+                <a14:hiddenLine xmlns="" xmlns:a14="http://schemas.microsoft.com/office/drawing/2010/main" w="9525">
                   <a:solidFill>
                     <a:srgbClr val="000000"/>
                   </a:solidFill>
@@ -2348,7 +2350,7 @@
             </a:ln>
             <a:extLst>
               <a:ext uri="{91240B29-F687-4f45-9708-019B960494DF}">
-                <a14:hiddenLine xmlns:a14="http://schemas.microsoft.com/office/drawing/2010/main" xmlns="" w="9525">
+                <a14:hiddenLine xmlns="" xmlns:a14="http://schemas.microsoft.com/office/drawing/2010/main" w="9525">
                   <a:solidFill>
                     <a:srgbClr val="000000"/>
                   </a:solidFill>
@@ -2438,7 +2440,7 @@
             </a:ln>
             <a:extLst>
               <a:ext uri="{91240B29-F687-4f45-9708-019B960494DF}">
-                <a14:hiddenLine xmlns:a14="http://schemas.microsoft.com/office/drawing/2010/main" xmlns="" w="9525">
+                <a14:hiddenLine xmlns="" xmlns:a14="http://schemas.microsoft.com/office/drawing/2010/main" w="9525">
                   <a:solidFill>
                     <a:srgbClr val="000000"/>
                   </a:solidFill>
@@ -2500,7 +2502,7 @@
             </a:ln>
             <a:extLst>
               <a:ext uri="{91240B29-F687-4f45-9708-019B960494DF}">
-                <a14:hiddenLine xmlns:a14="http://schemas.microsoft.com/office/drawing/2010/main" xmlns="" w="9525">
+                <a14:hiddenLine xmlns="" xmlns:a14="http://schemas.microsoft.com/office/drawing/2010/main" w="9525">
                   <a:solidFill>
                     <a:srgbClr val="000000"/>
                   </a:solidFill>
@@ -2562,7 +2564,7 @@
             </a:ln>
             <a:extLst>
               <a:ext uri="{91240B29-F687-4f45-9708-019B960494DF}">
-                <a14:hiddenLine xmlns:a14="http://schemas.microsoft.com/office/drawing/2010/main" xmlns="" w="9525">
+                <a14:hiddenLine xmlns="" xmlns:a14="http://schemas.microsoft.com/office/drawing/2010/main" w="9525">
                   <a:solidFill>
                     <a:srgbClr val="000000"/>
                   </a:solidFill>
@@ -2652,7 +2654,7 @@
             </a:ln>
             <a:extLst>
               <a:ext uri="{91240B29-F687-4f45-9708-019B960494DF}">
-                <a14:hiddenLine xmlns:a14="http://schemas.microsoft.com/office/drawing/2010/main" xmlns="" w="9525">
+                <a14:hiddenLine xmlns="" xmlns:a14="http://schemas.microsoft.com/office/drawing/2010/main" w="9525">
                   <a:solidFill>
                     <a:srgbClr val="000000"/>
                   </a:solidFill>
@@ -2720,7 +2722,7 @@
             </a:ln>
             <a:extLst>
               <a:ext uri="{91240B29-F687-4f45-9708-019B960494DF}">
-                <a14:hiddenLine xmlns:a14="http://schemas.microsoft.com/office/drawing/2010/main" xmlns="" w="9525">
+                <a14:hiddenLine xmlns="" xmlns:a14="http://schemas.microsoft.com/office/drawing/2010/main" w="9525">
                   <a:solidFill>
                     <a:srgbClr val="000000"/>
                   </a:solidFill>
@@ -2782,7 +2784,7 @@
             </a:ln>
             <a:extLst>
               <a:ext uri="{91240B29-F687-4f45-9708-019B960494DF}">
-                <a14:hiddenLine xmlns:a14="http://schemas.microsoft.com/office/drawing/2010/main" xmlns="" w="9525">
+                <a14:hiddenLine xmlns="" xmlns:a14="http://schemas.microsoft.com/office/drawing/2010/main" w="9525">
                   <a:solidFill>
                     <a:srgbClr val="000000"/>
                   </a:solidFill>
@@ -2872,7 +2874,7 @@
             </a:ln>
             <a:extLst>
               <a:ext uri="{91240B29-F687-4f45-9708-019B960494DF}">
-                <a14:hiddenLine xmlns:a14="http://schemas.microsoft.com/office/drawing/2010/main" xmlns="" w="9525">
+                <a14:hiddenLine xmlns="" xmlns:a14="http://schemas.microsoft.com/office/drawing/2010/main" w="9525">
                   <a:solidFill>
                     <a:srgbClr val="000000"/>
                   </a:solidFill>
@@ -2934,7 +2936,7 @@
             </a:ln>
             <a:extLst>
               <a:ext uri="{91240B29-F687-4f45-9708-019B960494DF}">
-                <a14:hiddenLine xmlns:a14="http://schemas.microsoft.com/office/drawing/2010/main" xmlns="" w="9525">
+                <a14:hiddenLine xmlns="" xmlns:a14="http://schemas.microsoft.com/office/drawing/2010/main" w="9525">
                   <a:solidFill>
                     <a:srgbClr val="000000"/>
                   </a:solidFill>
@@ -3024,7 +3026,7 @@
             </a:ln>
             <a:extLst>
               <a:ext uri="{91240B29-F687-4f45-9708-019B960494DF}">
-                <a14:hiddenLine xmlns:a14="http://schemas.microsoft.com/office/drawing/2010/main" xmlns="" w="9525">
+                <a14:hiddenLine xmlns="" xmlns:a14="http://schemas.microsoft.com/office/drawing/2010/main" w="9525">
                   <a:solidFill>
                     <a:srgbClr val="000000"/>
                   </a:solidFill>
@@ -3086,7 +3088,7 @@
             </a:ln>
             <a:extLst>
               <a:ext uri="{91240B29-F687-4f45-9708-019B960494DF}">
-                <a14:hiddenLine xmlns:a14="http://schemas.microsoft.com/office/drawing/2010/main" xmlns="" w="9525">
+                <a14:hiddenLine xmlns="" xmlns:a14="http://schemas.microsoft.com/office/drawing/2010/main" w="9525">
                   <a:solidFill>
                     <a:srgbClr val="000000"/>
                   </a:solidFill>
@@ -3176,7 +3178,7 @@
             </a:ln>
             <a:extLst>
               <a:ext uri="{91240B29-F687-4f45-9708-019B960494DF}">
-                <a14:hiddenLine xmlns:a14="http://schemas.microsoft.com/office/drawing/2010/main" xmlns="" w="9525">
+                <a14:hiddenLine xmlns="" xmlns:a14="http://schemas.microsoft.com/office/drawing/2010/main" w="9525">
                   <a:solidFill>
                     <a:srgbClr val="000000"/>
                   </a:solidFill>
@@ -3210,7 +3212,7 @@
             </a:ln>
             <a:extLst>
               <a:ext uri="{91240B29-F687-4f45-9708-019B960494DF}">
-                <a14:hiddenLine xmlns:a14="http://schemas.microsoft.com/office/drawing/2010/main" xmlns="" w="9525">
+                <a14:hiddenLine xmlns="" xmlns:a14="http://schemas.microsoft.com/office/drawing/2010/main" w="9525">
                   <a:solidFill>
                     <a:srgbClr val="000000"/>
                   </a:solidFill>
@@ -3275,7 +3277,7 @@
             </a:ln>
             <a:extLst>
               <a:ext uri="{91240B29-F687-4f45-9708-019B960494DF}">
-                <a14:hiddenLine xmlns:a14="http://schemas.microsoft.com/office/drawing/2010/main" xmlns="" w="9525">
+                <a14:hiddenLine xmlns="" xmlns:a14="http://schemas.microsoft.com/office/drawing/2010/main" w="9525">
                   <a:solidFill>
                     <a:srgbClr val="000000"/>
                   </a:solidFill>
@@ -3365,7 +3367,7 @@
             </a:ln>
             <a:extLst>
               <a:ext uri="{91240B29-F687-4f45-9708-019B960494DF}">
-                <a14:hiddenLine xmlns:a14="http://schemas.microsoft.com/office/drawing/2010/main" xmlns="" w="9525">
+                <a14:hiddenLine xmlns="" xmlns:a14="http://schemas.microsoft.com/office/drawing/2010/main" w="9525">
                   <a:solidFill>
                     <a:srgbClr val="000000"/>
                   </a:solidFill>
@@ -3427,7 +3429,7 @@
             </a:ln>
             <a:extLst>
               <a:ext uri="{91240B29-F687-4f45-9708-019B960494DF}">
-                <a14:hiddenLine xmlns:a14="http://schemas.microsoft.com/office/drawing/2010/main" xmlns="" w="9525">
+                <a14:hiddenLine xmlns="" xmlns:a14="http://schemas.microsoft.com/office/drawing/2010/main" w="9525">
                   <a:solidFill>
                     <a:srgbClr val="000000"/>
                   </a:solidFill>
@@ -3517,7 +3519,7 @@
             </a:ln>
             <a:extLst>
               <a:ext uri="{91240B29-F687-4f45-9708-019B960494DF}">
-                <a14:hiddenLine xmlns:a14="http://schemas.microsoft.com/office/drawing/2010/main" xmlns="" w="9525">
+                <a14:hiddenLine xmlns="" xmlns:a14="http://schemas.microsoft.com/office/drawing/2010/main" w="9525">
                   <a:solidFill>
                     <a:srgbClr val="000000"/>
                   </a:solidFill>
@@ -3607,7 +3609,7 @@
             </a:ln>
             <a:extLst>
               <a:ext uri="{91240B29-F687-4f45-9708-019B960494DF}">
-                <a14:hiddenLine xmlns:a14="http://schemas.microsoft.com/office/drawing/2010/main" xmlns="" w="9525">
+                <a14:hiddenLine xmlns="" xmlns:a14="http://schemas.microsoft.com/office/drawing/2010/main" w="9525">
                   <a:solidFill>
                     <a:srgbClr val="000000"/>
                   </a:solidFill>
@@ -3672,7 +3674,7 @@
             </a:ln>
             <a:extLst>
               <a:ext uri="{91240B29-F687-4f45-9708-019B960494DF}">
-                <a14:hiddenLine xmlns:a14="http://schemas.microsoft.com/office/drawing/2010/main" xmlns="" w="9525">
+                <a14:hiddenLine xmlns="" xmlns:a14="http://schemas.microsoft.com/office/drawing/2010/main" w="9525">
                   <a:solidFill>
                     <a:srgbClr val="000000"/>
                   </a:solidFill>
@@ -3734,7 +3736,7 @@
             </a:ln>
             <a:extLst>
               <a:ext uri="{91240B29-F687-4f45-9708-019B960494DF}">
-                <a14:hiddenLine xmlns:a14="http://schemas.microsoft.com/office/drawing/2010/main" xmlns="" w="9525">
+                <a14:hiddenLine xmlns="" xmlns:a14="http://schemas.microsoft.com/office/drawing/2010/main" w="9525">
                   <a:solidFill>
                     <a:srgbClr val="000000"/>
                   </a:solidFill>
@@ -3824,7 +3826,7 @@
             </a:ln>
             <a:extLst>
               <a:ext uri="{91240B29-F687-4f45-9708-019B960494DF}">
-                <a14:hiddenLine xmlns:a14="http://schemas.microsoft.com/office/drawing/2010/main" xmlns="" w="9525">
+                <a14:hiddenLine xmlns="" xmlns:a14="http://schemas.microsoft.com/office/drawing/2010/main" w="9525">
                   <a:solidFill>
                     <a:srgbClr val="000000"/>
                   </a:solidFill>
@@ -3914,7 +3916,7 @@
             </a:ln>
             <a:extLst>
               <a:ext uri="{91240B29-F687-4f45-9708-019B960494DF}">
-                <a14:hiddenLine xmlns:a14="http://schemas.microsoft.com/office/drawing/2010/main" xmlns="" w="9525">
+                <a14:hiddenLine xmlns="" xmlns:a14="http://schemas.microsoft.com/office/drawing/2010/main" w="9525">
                   <a:solidFill>
                     <a:srgbClr val="000000"/>
                   </a:solidFill>
@@ -3976,7 +3978,7 @@
             </a:ln>
             <a:extLst>
               <a:ext uri="{91240B29-F687-4f45-9708-019B960494DF}">
-                <a14:hiddenLine xmlns:a14="http://schemas.microsoft.com/office/drawing/2010/main" xmlns="" w="9525">
+                <a14:hiddenLine xmlns="" xmlns:a14="http://schemas.microsoft.com/office/drawing/2010/main" w="9525">
                   <a:solidFill>
                     <a:srgbClr val="000000"/>
                   </a:solidFill>
@@ -4096,7 +4098,7 @@
             </a:ln>
             <a:extLst>
               <a:ext uri="{91240B29-F687-4f45-9708-019B960494DF}">
-                <a14:hiddenLine xmlns:a14="http://schemas.microsoft.com/office/drawing/2010/main" xmlns="" w="9525">
+                <a14:hiddenLine xmlns="" xmlns:a14="http://schemas.microsoft.com/office/drawing/2010/main" w="9525">
                   <a:solidFill>
                     <a:srgbClr val="000000"/>
                   </a:solidFill>
@@ -4164,7 +4166,7 @@
             </a:ln>
             <a:extLst>
               <a:ext uri="{91240B29-F687-4f45-9708-019B960494DF}">
-                <a14:hiddenLine xmlns:a14="http://schemas.microsoft.com/office/drawing/2010/main" xmlns="" w="9525">
+                <a14:hiddenLine xmlns="" xmlns:a14="http://schemas.microsoft.com/office/drawing/2010/main" w="9525">
                   <a:solidFill>
                     <a:srgbClr val="000000"/>
                   </a:solidFill>
@@ -4254,7 +4256,7 @@
             </a:ln>
             <a:extLst>
               <a:ext uri="{91240B29-F687-4f45-9708-019B960494DF}">
-                <a14:hiddenLine xmlns:a14="http://schemas.microsoft.com/office/drawing/2010/main" xmlns="" w="9525">
+                <a14:hiddenLine xmlns="" xmlns:a14="http://schemas.microsoft.com/office/drawing/2010/main" w="9525">
                   <a:solidFill>
                     <a:srgbClr val="000000"/>
                   </a:solidFill>
@@ -4394,7 +4396,7 @@
           <a:p>
             <a:fld id="{48A87A34-81AB-432B-8DAE-1953F412C126}" type="datetimeFigureOut">
               <a:rPr lang="en-US" dirty="0"/>
-              <a:t>9/15/2019</a:t>
+              <a:t>9/16/2019</a:t>
             </a:fld>
             <a:endParaRPr lang="en-US" dirty="0"/>
           </a:p>
@@ -4656,7 +4658,7 @@
           <a:p>
             <a:fld id="{48A87A34-81AB-432B-8DAE-1953F412C126}" type="datetimeFigureOut">
               <a:rPr lang="en-US" dirty="0"/>
-              <a:t>9/15/2019</a:t>
+              <a:t>9/16/2019</a:t>
             </a:fld>
             <a:endParaRPr lang="en-US" dirty="0"/>
           </a:p>
@@ -4847,7 +4849,7 @@
           <a:p>
             <a:fld id="{48A87A34-81AB-432B-8DAE-1953F412C126}" type="datetimeFigureOut">
               <a:rPr lang="en-US" dirty="0"/>
-              <a:t>9/15/2019</a:t>
+              <a:t>9/16/2019</a:t>
             </a:fld>
             <a:endParaRPr lang="en-US" dirty="0"/>
           </a:p>
@@ -5105,7 +5107,7 @@
           <a:p>
             <a:fld id="{48A87A34-81AB-432B-8DAE-1953F412C126}" type="datetimeFigureOut">
               <a:rPr lang="en-US" dirty="0"/>
-              <a:t>9/15/2019</a:t>
+              <a:t>9/16/2019</a:t>
             </a:fld>
             <a:endParaRPr lang="en-US" dirty="0"/>
           </a:p>
@@ -5534,7 +5536,7 @@
           <a:p>
             <a:fld id="{48A87A34-81AB-432B-8DAE-1953F412C126}" type="datetimeFigureOut">
               <a:rPr lang="en-US" dirty="0"/>
-              <a:t>9/15/2019</a:t>
+              <a:t>9/16/2019</a:t>
             </a:fld>
             <a:endParaRPr lang="en-US" dirty="0"/>
           </a:p>
@@ -6075,7 +6077,7 @@
           <a:p>
             <a:fld id="{48A87A34-81AB-432B-8DAE-1953F412C126}" type="datetimeFigureOut">
               <a:rPr lang="en-US" dirty="0"/>
-              <a:t>9/15/2019</a:t>
+              <a:t>9/16/2019</a:t>
             </a:fld>
             <a:endParaRPr lang="en-US" dirty="0"/>
           </a:p>
@@ -6790,7 +6792,7 @@
           <a:p>
             <a:fld id="{48A87A34-81AB-432B-8DAE-1953F412C126}" type="datetimeFigureOut">
               <a:rPr lang="en-US" dirty="0"/>
-              <a:t>9/15/2019</a:t>
+              <a:t>9/16/2019</a:t>
             </a:fld>
             <a:endParaRPr lang="en-US" dirty="0"/>
           </a:p>
@@ -6955,7 +6957,7 @@
           <a:p>
             <a:fld id="{48A87A34-81AB-432B-8DAE-1953F412C126}" type="datetimeFigureOut">
               <a:rPr lang="en-US" dirty="0"/>
-              <a:t>9/15/2019</a:t>
+              <a:t>9/16/2019</a:t>
             </a:fld>
             <a:endParaRPr lang="en-US" dirty="0"/>
           </a:p>
@@ -7130,7 +7132,7 @@
           <a:p>
             <a:fld id="{48A87A34-81AB-432B-8DAE-1953F412C126}" type="datetimeFigureOut">
               <a:rPr lang="en-US" dirty="0"/>
-              <a:t>9/15/2019</a:t>
+              <a:t>9/16/2019</a:t>
             </a:fld>
             <a:endParaRPr lang="en-US" dirty="0"/>
           </a:p>
@@ -7295,7 +7297,7 @@
           <a:p>
             <a:fld id="{48A87A34-81AB-432B-8DAE-1953F412C126}" type="datetimeFigureOut">
               <a:rPr lang="en-US" dirty="0"/>
-              <a:t>9/15/2019</a:t>
+              <a:t>9/16/2019</a:t>
             </a:fld>
             <a:endParaRPr lang="en-US" dirty="0"/>
           </a:p>
@@ -7540,7 +7542,7 @@
           <a:p>
             <a:fld id="{48A87A34-81AB-432B-8DAE-1953F412C126}" type="datetimeFigureOut">
               <a:rPr lang="en-US" dirty="0"/>
-              <a:t>9/15/2019</a:t>
+              <a:t>9/16/2019</a:t>
             </a:fld>
             <a:endParaRPr lang="en-US" dirty="0"/>
           </a:p>
@@ -7767,7 +7769,7 @@
           <a:p>
             <a:fld id="{48A87A34-81AB-432B-8DAE-1953F412C126}" type="datetimeFigureOut">
               <a:rPr lang="en-US" dirty="0"/>
-              <a:t>9/15/2019</a:t>
+              <a:t>9/16/2019</a:t>
             </a:fld>
             <a:endParaRPr lang="en-US" dirty="0"/>
           </a:p>
@@ -8143,7 +8145,7 @@
           <a:p>
             <a:fld id="{48A87A34-81AB-432B-8DAE-1953F412C126}" type="datetimeFigureOut">
               <a:rPr lang="en-US" dirty="0"/>
-              <a:t>9/15/2019</a:t>
+              <a:t>9/16/2019</a:t>
             </a:fld>
             <a:endParaRPr lang="en-US" dirty="0"/>
           </a:p>
@@ -8256,7 +8258,7 @@
           <a:p>
             <a:fld id="{48A87A34-81AB-432B-8DAE-1953F412C126}" type="datetimeFigureOut">
               <a:rPr lang="en-US" dirty="0"/>
-              <a:t>9/15/2019</a:t>
+              <a:t>9/16/2019</a:t>
             </a:fld>
             <a:endParaRPr lang="en-US" dirty="0"/>
           </a:p>
@@ -8346,7 +8348,7 @@
           <a:p>
             <a:fld id="{48A87A34-81AB-432B-8DAE-1953F412C126}" type="datetimeFigureOut">
               <a:rPr lang="en-US" dirty="0"/>
-              <a:t>9/15/2019</a:t>
+              <a:t>9/16/2019</a:t>
             </a:fld>
             <a:endParaRPr lang="en-US" dirty="0"/>
           </a:p>
@@ -8590,7 +8592,7 @@
           <a:p>
             <a:fld id="{48A87A34-81AB-432B-8DAE-1953F412C126}" type="datetimeFigureOut">
               <a:rPr lang="en-US" dirty="0"/>
-              <a:t>9/15/2019</a:t>
+              <a:t>9/16/2019</a:t>
             </a:fld>
             <a:endParaRPr lang="en-US" dirty="0"/>
           </a:p>
@@ -8865,7 +8867,7 @@
           <a:p>
             <a:fld id="{48A87A34-81AB-432B-8DAE-1953F412C126}" type="datetimeFigureOut">
               <a:rPr lang="en-US" dirty="0"/>
-              <a:t>9/15/2019</a:t>
+              <a:t>9/16/2019</a:t>
             </a:fld>
             <a:endParaRPr lang="en-US" dirty="0"/>
           </a:p>
@@ -8976,7 +8978,7 @@
           <a:noFill/>
           <a:extLst>
             <a:ext uri="{909E8E84-426E-40dd-AFC4-6F175D3DCCD1}">
-              <a14:hiddenFill xmlns:a14="http://schemas.microsoft.com/office/drawing/2010/main" xmlns="">
+              <a14:hiddenFill xmlns="" xmlns:a14="http://schemas.microsoft.com/office/drawing/2010/main">
                 <a:solidFill>
                   <a:srgbClr val="FFFFFF"/>
                 </a:solidFill>
@@ -9050,7 +9052,7 @@
               </a:ln>
               <a:extLst>
                 <a:ext uri="{91240B29-F687-4f45-9708-019B960494DF}">
-                  <a14:hiddenLine xmlns:a14="http://schemas.microsoft.com/office/drawing/2010/main" xmlns="" w="9525">
+                  <a14:hiddenLine xmlns="" xmlns:a14="http://schemas.microsoft.com/office/drawing/2010/main" w="9525">
                     <a:solidFill>
                       <a:srgbClr val="000000"/>
                     </a:solidFill>
@@ -9140,7 +9142,7 @@
               </a:ln>
               <a:extLst>
                 <a:ext uri="{91240B29-F687-4f45-9708-019B960494DF}">
-                  <a14:hiddenLine xmlns:a14="http://schemas.microsoft.com/office/drawing/2010/main" xmlns="" w="9525">
+                  <a14:hiddenLine xmlns="" xmlns:a14="http://schemas.microsoft.com/office/drawing/2010/main" w="9525">
                     <a:solidFill>
                       <a:srgbClr val="000000"/>
                     </a:solidFill>
@@ -9230,7 +9232,7 @@
               </a:ln>
               <a:extLst>
                 <a:ext uri="{91240B29-F687-4f45-9708-019B960494DF}">
-                  <a14:hiddenLine xmlns:a14="http://schemas.microsoft.com/office/drawing/2010/main" xmlns="" w="9525">
+                  <a14:hiddenLine xmlns="" xmlns:a14="http://schemas.microsoft.com/office/drawing/2010/main" w="9525">
                     <a:solidFill>
                       <a:srgbClr val="000000"/>
                     </a:solidFill>
@@ -9292,7 +9294,7 @@
               </a:ln>
               <a:extLst>
                 <a:ext uri="{91240B29-F687-4f45-9708-019B960494DF}">
-                  <a14:hiddenLine xmlns:a14="http://schemas.microsoft.com/office/drawing/2010/main" xmlns="" w="9525">
+                  <a14:hiddenLine xmlns="" xmlns:a14="http://schemas.microsoft.com/office/drawing/2010/main" w="9525">
                     <a:solidFill>
                       <a:srgbClr val="000000"/>
                     </a:solidFill>
@@ -9382,7 +9384,7 @@
               </a:ln>
               <a:extLst>
                 <a:ext uri="{91240B29-F687-4f45-9708-019B960494DF}">
-                  <a14:hiddenLine xmlns:a14="http://schemas.microsoft.com/office/drawing/2010/main" xmlns="" w="9525">
+                  <a14:hiddenLine xmlns="" xmlns:a14="http://schemas.microsoft.com/office/drawing/2010/main" w="9525">
                     <a:solidFill>
                       <a:srgbClr val="000000"/>
                     </a:solidFill>
@@ -9444,7 +9446,7 @@
               </a:ln>
               <a:extLst>
                 <a:ext uri="{91240B29-F687-4f45-9708-019B960494DF}">
-                  <a14:hiddenLine xmlns:a14="http://schemas.microsoft.com/office/drawing/2010/main" xmlns="" w="9525">
+                  <a14:hiddenLine xmlns="" xmlns:a14="http://schemas.microsoft.com/office/drawing/2010/main" w="9525">
                     <a:solidFill>
                       <a:srgbClr val="000000"/>
                     </a:solidFill>
@@ -9506,7 +9508,7 @@
               </a:ln>
               <a:extLst>
                 <a:ext uri="{91240B29-F687-4f45-9708-019B960494DF}">
-                  <a14:hiddenLine xmlns:a14="http://schemas.microsoft.com/office/drawing/2010/main" xmlns="" w="9525">
+                  <a14:hiddenLine xmlns="" xmlns:a14="http://schemas.microsoft.com/office/drawing/2010/main" w="9525">
                     <a:solidFill>
                       <a:srgbClr val="000000"/>
                     </a:solidFill>
@@ -9596,7 +9598,7 @@
               </a:ln>
               <a:extLst>
                 <a:ext uri="{91240B29-F687-4f45-9708-019B960494DF}">
-                  <a14:hiddenLine xmlns:a14="http://schemas.microsoft.com/office/drawing/2010/main" xmlns="" w="9525">
+                  <a14:hiddenLine xmlns="" xmlns:a14="http://schemas.microsoft.com/office/drawing/2010/main" w="9525">
                     <a:solidFill>
                       <a:srgbClr val="000000"/>
                     </a:solidFill>
@@ -9686,7 +9688,7 @@
               </a:ln>
               <a:extLst>
                 <a:ext uri="{91240B29-F687-4f45-9708-019B960494DF}">
-                  <a14:hiddenLine xmlns:a14="http://schemas.microsoft.com/office/drawing/2010/main" xmlns="" w="9525">
+                  <a14:hiddenLine xmlns="" xmlns:a14="http://schemas.microsoft.com/office/drawing/2010/main" w="9525">
                     <a:solidFill>
                       <a:srgbClr val="000000"/>
                     </a:solidFill>
@@ -9748,7 +9750,7 @@
               </a:ln>
               <a:extLst>
                 <a:ext uri="{91240B29-F687-4f45-9708-019B960494DF}">
-                  <a14:hiddenLine xmlns:a14="http://schemas.microsoft.com/office/drawing/2010/main" xmlns="" w="9525">
+                  <a14:hiddenLine xmlns="" xmlns:a14="http://schemas.microsoft.com/office/drawing/2010/main" w="9525">
                     <a:solidFill>
                       <a:srgbClr val="000000"/>
                     </a:solidFill>
@@ -9858,7 +9860,7 @@
               </a:ln>
               <a:extLst>
                 <a:ext uri="{91240B29-F687-4f45-9708-019B960494DF}">
-                  <a14:hiddenLine xmlns:a14="http://schemas.microsoft.com/office/drawing/2010/main" xmlns="" w="9525">
+                  <a14:hiddenLine xmlns="" xmlns:a14="http://schemas.microsoft.com/office/drawing/2010/main" w="9525">
                     <a:solidFill>
                       <a:srgbClr val="000000"/>
                     </a:solidFill>
@@ -9942,7 +9944,7 @@
               </a:ln>
               <a:extLst>
                 <a:ext uri="{91240B29-F687-4f45-9708-019B960494DF}">
-                  <a14:hiddenLine xmlns:a14="http://schemas.microsoft.com/office/drawing/2010/main" xmlns="" w="9525">
+                  <a14:hiddenLine xmlns="" xmlns:a14="http://schemas.microsoft.com/office/drawing/2010/main" w="9525">
                     <a:solidFill>
                       <a:srgbClr val="000000"/>
                     </a:solidFill>
@@ -10004,7 +10006,7 @@
               </a:ln>
               <a:extLst>
                 <a:ext uri="{91240B29-F687-4f45-9708-019B960494DF}">
-                  <a14:hiddenLine xmlns:a14="http://schemas.microsoft.com/office/drawing/2010/main" xmlns="" w="9525">
+                  <a14:hiddenLine xmlns="" xmlns:a14="http://schemas.microsoft.com/office/drawing/2010/main" w="9525">
                     <a:solidFill>
                       <a:srgbClr val="000000"/>
                     </a:solidFill>
@@ -10066,7 +10068,7 @@
               </a:ln>
               <a:extLst>
                 <a:ext uri="{91240B29-F687-4f45-9708-019B960494DF}">
-                  <a14:hiddenLine xmlns:a14="http://schemas.microsoft.com/office/drawing/2010/main" xmlns="" w="9525">
+                  <a14:hiddenLine xmlns="" xmlns:a14="http://schemas.microsoft.com/office/drawing/2010/main" w="9525">
                     <a:solidFill>
                       <a:srgbClr val="000000"/>
                     </a:solidFill>
@@ -10156,7 +10158,7 @@
               </a:ln>
               <a:extLst>
                 <a:ext uri="{91240B29-F687-4f45-9708-019B960494DF}">
-                  <a14:hiddenLine xmlns:a14="http://schemas.microsoft.com/office/drawing/2010/main" xmlns="" w="9525">
+                  <a14:hiddenLine xmlns="" xmlns:a14="http://schemas.microsoft.com/office/drawing/2010/main" w="9525">
                     <a:solidFill>
                       <a:srgbClr val="000000"/>
                     </a:solidFill>
@@ -10190,7 +10192,7 @@
               </a:ln>
               <a:extLst>
                 <a:ext uri="{91240B29-F687-4f45-9708-019B960494DF}">
-                  <a14:hiddenLine xmlns:a14="http://schemas.microsoft.com/office/drawing/2010/main" xmlns="" w="9525">
+                  <a14:hiddenLine xmlns="" xmlns:a14="http://schemas.microsoft.com/office/drawing/2010/main" w="9525">
                     <a:solidFill>
                       <a:srgbClr val="000000"/>
                     </a:solidFill>
@@ -10255,7 +10257,7 @@
               </a:ln>
               <a:extLst>
                 <a:ext uri="{91240B29-F687-4f45-9708-019B960494DF}">
-                  <a14:hiddenLine xmlns:a14="http://schemas.microsoft.com/office/drawing/2010/main" xmlns="" w="9525">
+                  <a14:hiddenLine xmlns="" xmlns:a14="http://schemas.microsoft.com/office/drawing/2010/main" w="9525">
                     <a:solidFill>
                       <a:srgbClr val="000000"/>
                     </a:solidFill>
@@ -10345,7 +10347,7 @@
               </a:ln>
               <a:extLst>
                 <a:ext uri="{91240B29-F687-4f45-9708-019B960494DF}">
-                  <a14:hiddenLine xmlns:a14="http://schemas.microsoft.com/office/drawing/2010/main" xmlns="" w="9525">
+                  <a14:hiddenLine xmlns="" xmlns:a14="http://schemas.microsoft.com/office/drawing/2010/main" w="9525">
                     <a:solidFill>
                       <a:srgbClr val="000000"/>
                     </a:solidFill>
@@ -10407,7 +10409,7 @@
               </a:ln>
               <a:extLst>
                 <a:ext uri="{91240B29-F687-4f45-9708-019B960494DF}">
-                  <a14:hiddenLine xmlns:a14="http://schemas.microsoft.com/office/drawing/2010/main" xmlns="" w="9525">
+                  <a14:hiddenLine xmlns="" xmlns:a14="http://schemas.microsoft.com/office/drawing/2010/main" w="9525">
                     <a:solidFill>
                       <a:srgbClr val="000000"/>
                     </a:solidFill>
@@ -10497,7 +10499,7 @@
               </a:ln>
               <a:extLst>
                 <a:ext uri="{91240B29-F687-4f45-9708-019B960494DF}">
-                  <a14:hiddenLine xmlns:a14="http://schemas.microsoft.com/office/drawing/2010/main" xmlns="" w="9525">
+                  <a14:hiddenLine xmlns="" xmlns:a14="http://schemas.microsoft.com/office/drawing/2010/main" w="9525">
                     <a:solidFill>
                       <a:srgbClr val="000000"/>
                     </a:solidFill>
@@ -10562,7 +10564,7 @@
               </a:ln>
               <a:extLst>
                 <a:ext uri="{91240B29-F687-4f45-9708-019B960494DF}">
-                  <a14:hiddenLine xmlns:a14="http://schemas.microsoft.com/office/drawing/2010/main" xmlns="" w="9525">
+                  <a14:hiddenLine xmlns="" xmlns:a14="http://schemas.microsoft.com/office/drawing/2010/main" w="9525">
                     <a:solidFill>
                       <a:srgbClr val="000000"/>
                     </a:solidFill>
@@ -10624,7 +10626,7 @@
               </a:ln>
               <a:extLst>
                 <a:ext uri="{91240B29-F687-4f45-9708-019B960494DF}">
-                  <a14:hiddenLine xmlns:a14="http://schemas.microsoft.com/office/drawing/2010/main" xmlns="" w="9525">
+                  <a14:hiddenLine xmlns="" xmlns:a14="http://schemas.microsoft.com/office/drawing/2010/main" w="9525">
                     <a:solidFill>
                       <a:srgbClr val="000000"/>
                     </a:solidFill>
@@ -10714,7 +10716,7 @@
               </a:ln>
               <a:extLst>
                 <a:ext uri="{91240B29-F687-4f45-9708-019B960494DF}">
-                  <a14:hiddenLine xmlns:a14="http://schemas.microsoft.com/office/drawing/2010/main" xmlns="" w="9525">
+                  <a14:hiddenLine xmlns="" xmlns:a14="http://schemas.microsoft.com/office/drawing/2010/main" w="9525">
                     <a:solidFill>
                       <a:srgbClr val="000000"/>
                     </a:solidFill>
@@ -10804,7 +10806,7 @@
               </a:ln>
               <a:extLst>
                 <a:ext uri="{91240B29-F687-4f45-9708-019B960494DF}">
-                  <a14:hiddenLine xmlns:a14="http://schemas.microsoft.com/office/drawing/2010/main" xmlns="" w="9525">
+                  <a14:hiddenLine xmlns="" xmlns:a14="http://schemas.microsoft.com/office/drawing/2010/main" w="9525">
                     <a:solidFill>
                       <a:srgbClr val="000000"/>
                     </a:solidFill>
@@ -10869,7 +10871,7 @@
               </a:ln>
               <a:extLst>
                 <a:ext uri="{91240B29-F687-4f45-9708-019B960494DF}">
-                  <a14:hiddenLine xmlns:a14="http://schemas.microsoft.com/office/drawing/2010/main" xmlns="" w="9525">
+                  <a14:hiddenLine xmlns="" xmlns:a14="http://schemas.microsoft.com/office/drawing/2010/main" w="9525">
                     <a:solidFill>
                       <a:srgbClr val="000000"/>
                     </a:solidFill>
@@ -10989,7 +10991,7 @@
               </a:ln>
               <a:extLst>
                 <a:ext uri="{91240B29-F687-4f45-9708-019B960494DF}">
-                  <a14:hiddenLine xmlns:a14="http://schemas.microsoft.com/office/drawing/2010/main" xmlns="" w="9525">
+                  <a14:hiddenLine xmlns="" xmlns:a14="http://schemas.microsoft.com/office/drawing/2010/main" w="9525">
                     <a:solidFill>
                       <a:srgbClr val="000000"/>
                     </a:solidFill>
@@ -11087,7 +11089,7 @@
               </a:ln>
               <a:extLst>
                 <a:ext uri="{91240B29-F687-4f45-9708-019B960494DF}">
-                  <a14:hiddenLine xmlns:a14="http://schemas.microsoft.com/office/drawing/2010/main" xmlns="" w="9525">
+                  <a14:hiddenLine xmlns="" xmlns:a14="http://schemas.microsoft.com/office/drawing/2010/main" w="9525">
                     <a:solidFill>
                       <a:srgbClr val="000000"/>
                     </a:solidFill>
@@ -11202,7 +11204,7 @@
               </a:ln>
               <a:extLst>
                 <a:ext uri="{91240B29-F687-4f45-9708-019B960494DF}">
-                  <a14:hiddenLine xmlns:a14="http://schemas.microsoft.com/office/drawing/2010/main" xmlns="" w="9525">
+                  <a14:hiddenLine xmlns="" xmlns:a14="http://schemas.microsoft.com/office/drawing/2010/main" w="9525">
                     <a:solidFill>
                       <a:srgbClr val="000000"/>
                     </a:solidFill>
@@ -11292,7 +11294,7 @@
               </a:ln>
               <a:extLst>
                 <a:ext uri="{91240B29-F687-4f45-9708-019B960494DF}">
-                  <a14:hiddenLine xmlns:a14="http://schemas.microsoft.com/office/drawing/2010/main" xmlns="" w="9525">
+                  <a14:hiddenLine xmlns="" xmlns:a14="http://schemas.microsoft.com/office/drawing/2010/main" w="9525">
                     <a:solidFill>
                       <a:srgbClr val="000000"/>
                     </a:solidFill>
@@ -11357,7 +11359,7 @@
               </a:ln>
               <a:extLst>
                 <a:ext uri="{91240B29-F687-4f45-9708-019B960494DF}">
-                  <a14:hiddenLine xmlns:a14="http://schemas.microsoft.com/office/drawing/2010/main" xmlns="" w="9525">
+                  <a14:hiddenLine xmlns="" xmlns:a14="http://schemas.microsoft.com/office/drawing/2010/main" w="9525">
                     <a:solidFill>
                       <a:srgbClr val="000000"/>
                     </a:solidFill>
@@ -11447,7 +11449,7 @@
               </a:ln>
               <a:extLst>
                 <a:ext uri="{91240B29-F687-4f45-9708-019B960494DF}">
-                  <a14:hiddenLine xmlns:a14="http://schemas.microsoft.com/office/drawing/2010/main" xmlns="" w="9525">
+                  <a14:hiddenLine xmlns="" xmlns:a14="http://schemas.microsoft.com/office/drawing/2010/main" w="9525">
                     <a:solidFill>
                       <a:srgbClr val="000000"/>
                     </a:solidFill>
@@ -11515,7 +11517,7 @@
               </a:ln>
               <a:extLst>
                 <a:ext uri="{91240B29-F687-4f45-9708-019B960494DF}">
-                  <a14:hiddenLine xmlns:a14="http://schemas.microsoft.com/office/drawing/2010/main" xmlns="" w="9525">
+                  <a14:hiddenLine xmlns="" xmlns:a14="http://schemas.microsoft.com/office/drawing/2010/main" w="9525">
                     <a:solidFill>
                       <a:srgbClr val="000000"/>
                     </a:solidFill>
@@ -11605,7 +11607,7 @@
               </a:ln>
               <a:extLst>
                 <a:ext uri="{91240B29-F687-4f45-9708-019B960494DF}">
-                  <a14:hiddenLine xmlns:a14="http://schemas.microsoft.com/office/drawing/2010/main" xmlns="" w="9525">
+                  <a14:hiddenLine xmlns="" xmlns:a14="http://schemas.microsoft.com/office/drawing/2010/main" w="9525">
                     <a:solidFill>
                       <a:srgbClr val="000000"/>
                     </a:solidFill>
@@ -11673,7 +11675,7 @@
               </a:ln>
               <a:extLst>
                 <a:ext uri="{91240B29-F687-4f45-9708-019B960494DF}">
-                  <a14:hiddenLine xmlns:a14="http://schemas.microsoft.com/office/drawing/2010/main" xmlns="" w="9525">
+                  <a14:hiddenLine xmlns="" xmlns:a14="http://schemas.microsoft.com/office/drawing/2010/main" w="9525">
                     <a:solidFill>
                       <a:srgbClr val="000000"/>
                     </a:solidFill>
@@ -11763,7 +11765,7 @@
               </a:ln>
               <a:extLst>
                 <a:ext uri="{91240B29-F687-4f45-9708-019B960494DF}">
-                  <a14:hiddenLine xmlns:a14="http://schemas.microsoft.com/office/drawing/2010/main" xmlns="" w="9525">
+                  <a14:hiddenLine xmlns="" xmlns:a14="http://schemas.microsoft.com/office/drawing/2010/main" w="9525">
                     <a:solidFill>
                       <a:srgbClr val="000000"/>
                     </a:solidFill>
@@ -11797,7 +11799,7 @@
               </a:ln>
               <a:extLst>
                 <a:ext uri="{91240B29-F687-4f45-9708-019B960494DF}">
-                  <a14:hiddenLine xmlns:a14="http://schemas.microsoft.com/office/drawing/2010/main" xmlns="" w="9525">
+                  <a14:hiddenLine xmlns="" xmlns:a14="http://schemas.microsoft.com/office/drawing/2010/main" w="9525">
                     <a:solidFill>
                       <a:srgbClr val="000000"/>
                     </a:solidFill>
@@ -11938,7 +11940,7 @@
             <a:fld id="{48A87A34-81AB-432B-8DAE-1953F412C126}" type="datetimeFigureOut">
               <a:rPr lang="en-US" dirty="0"/>
               <a:pPr/>
-              <a:t>9/15/2019</a:t>
+              <a:t>9/16/2019</a:t>
             </a:fld>
             <a:endParaRPr lang="en-US" dirty="0"/>
           </a:p>
@@ -12359,7 +12361,7 @@
           <p:cNvPr id="2" name="Title 1">
             <a:extLst>
               <a:ext uri="{FF2B5EF4-FFF2-40B4-BE49-F238E27FC236}">
-                <a16:creationId xmlns:a16="http://schemas.microsoft.com/office/drawing/2014/main" id="{3DE459FE-6616-4ECB-A65C-8FD4C39FAD7A}"/>
+                <a16:creationId xmlns:a16="http://schemas.microsoft.com/office/drawing/2014/main" xmlns="" id="{3DE459FE-6616-4ECB-A65C-8FD4C39FAD7A}"/>
               </a:ext>
             </a:extLst>
           </p:cNvPr>
@@ -12398,7 +12400,7 @@
           <p:cNvPr id="3" name="Subtitle 2">
             <a:extLst>
               <a:ext uri="{FF2B5EF4-FFF2-40B4-BE49-F238E27FC236}">
-                <a16:creationId xmlns:a16="http://schemas.microsoft.com/office/drawing/2014/main" id="{74DD0ECB-3322-428C-8D7C-1FB23DD3AA4D}"/>
+                <a16:creationId xmlns:a16="http://schemas.microsoft.com/office/drawing/2014/main" xmlns="" id="{74DD0ECB-3322-428C-8D7C-1FB23DD3AA4D}"/>
               </a:ext>
             </a:extLst>
           </p:cNvPr>
@@ -12409,29 +12411,119 @@
             <p:ph type="subTitle" idx="1"/>
           </p:nvPr>
         </p:nvSpPr>
-        <p:spPr/>
+        <p:spPr>
+          <a:xfrm>
+            <a:off x="1876424" y="3602037"/>
+            <a:ext cx="8791575" cy="2501880"/>
+          </a:xfrm>
+        </p:spPr>
         <p:txBody>
-          <a:bodyPr/>
+          <a:bodyPr>
+            <a:noAutofit/>
+          </a:bodyPr>
           <a:lstStyle/>
           <a:p>
             <a:pPr algn="r"/>
             <a:r>
-              <a:rPr lang="en-IN" b="1" dirty="0">
+              <a:rPr lang="en-US" sz="1600" b="1" dirty="0" smtClean="0">
                 <a:latin typeface="Times New Roman" panose="02020603050405020304" pitchFamily="18" charset="0"/>
                 <a:cs typeface="Times New Roman" panose="02020603050405020304" pitchFamily="18" charset="0"/>
               </a:rPr>
-              <a:t>By			 </a:t>
+              <a:t>			BY		       </a:t>
             </a:r>
+            <a:endParaRPr lang="en-IN" sz="1600" b="1" dirty="0" smtClean="0">
+              <a:latin typeface="Times New Roman" panose="02020603050405020304" pitchFamily="18" charset="0"/>
+              <a:cs typeface="Times New Roman" panose="02020603050405020304" pitchFamily="18" charset="0"/>
+            </a:endParaRPr>
           </a:p>
           <a:p>
             <a:pPr algn="r"/>
             <a:r>
-              <a:rPr lang="en-IN" b="1" dirty="0">
+              <a:rPr lang="en-IN" sz="1600" b="1" dirty="0" smtClean="0">
                 <a:latin typeface="Times New Roman" panose="02020603050405020304" pitchFamily="18" charset="0"/>
                 <a:cs typeface="Times New Roman" panose="02020603050405020304" pitchFamily="18" charset="0"/>
               </a:rPr>
-              <a:t>C Akhil chowdary</a:t>
+              <a:t>Prafull Sharma</a:t>
             </a:r>
+          </a:p>
+          <a:p>
+            <a:pPr algn="r"/>
+            <a:r>
+              <a:rPr lang="en-IN" sz="1600" b="1" dirty="0" smtClean="0">
+                <a:latin typeface="Times New Roman" panose="02020603050405020304" pitchFamily="18" charset="0"/>
+                <a:cs typeface="Times New Roman" panose="02020603050405020304" pitchFamily="18" charset="0"/>
+              </a:rPr>
+              <a:t>C </a:t>
+            </a:r>
+            <a:r>
+              <a:rPr lang="en-IN" sz="1600" b="1" dirty="0">
+                <a:latin typeface="Times New Roman" panose="02020603050405020304" pitchFamily="18" charset="0"/>
+                <a:cs typeface="Times New Roman" panose="02020603050405020304" pitchFamily="18" charset="0"/>
+              </a:rPr>
+              <a:t>Akhil Chowdary</a:t>
+            </a:r>
+          </a:p>
+          <a:p>
+            <a:pPr algn="r"/>
+            <a:r>
+              <a:rPr lang="en-IN" sz="1600" b="1" dirty="0">
+                <a:latin typeface="Times New Roman" panose="02020603050405020304" pitchFamily="18" charset="0"/>
+                <a:cs typeface="Times New Roman" panose="02020603050405020304" pitchFamily="18" charset="0"/>
+              </a:rPr>
+              <a:t>Sravani</a:t>
+            </a:r>
+          </a:p>
+          <a:p>
+            <a:pPr algn="r"/>
+            <a:r>
+              <a:rPr lang="en-IN" sz="1600" b="1" dirty="0" smtClean="0">
+                <a:latin typeface="Times New Roman" panose="02020603050405020304" pitchFamily="18" charset="0"/>
+                <a:cs typeface="Times New Roman" panose="02020603050405020304" pitchFamily="18" charset="0"/>
+              </a:rPr>
+              <a:t>Arshpreet</a:t>
+            </a:r>
+            <a:endParaRPr lang="en-IN" sz="1600" b="1" dirty="0">
+              <a:latin typeface="Times New Roman" panose="02020603050405020304" pitchFamily="18" charset="0"/>
+              <a:cs typeface="Times New Roman" panose="02020603050405020304" pitchFamily="18" charset="0"/>
+            </a:endParaRPr>
+          </a:p>
+          <a:p>
+            <a:pPr algn="r"/>
+            <a:r>
+              <a:rPr lang="en-IN" sz="1600" b="1" dirty="0">
+                <a:latin typeface="Times New Roman" panose="02020603050405020304" pitchFamily="18" charset="0"/>
+                <a:cs typeface="Times New Roman" panose="02020603050405020304" pitchFamily="18" charset="0"/>
+              </a:rPr>
+              <a:t>Ayush </a:t>
+            </a:r>
+            <a:r>
+              <a:rPr lang="en-IN" sz="1600" b="1" dirty="0" smtClean="0">
+                <a:latin typeface="Times New Roman" panose="02020603050405020304" pitchFamily="18" charset="0"/>
+                <a:cs typeface="Times New Roman" panose="02020603050405020304" pitchFamily="18" charset="0"/>
+              </a:rPr>
+              <a:t>Agarwal</a:t>
+            </a:r>
+          </a:p>
+          <a:p>
+            <a:pPr algn="r"/>
+            <a:r>
+              <a:rPr lang="en-IN" sz="1600" b="1" dirty="0">
+                <a:latin typeface="Times New Roman" panose="02020603050405020304" pitchFamily="18" charset="0"/>
+                <a:cs typeface="Times New Roman" panose="02020603050405020304" pitchFamily="18" charset="0"/>
+              </a:rPr>
+              <a:t>Abhishek Pratap </a:t>
+            </a:r>
+            <a:r>
+              <a:rPr lang="en-IN" sz="1600" b="1" dirty="0" smtClean="0">
+                <a:latin typeface="Times New Roman" panose="02020603050405020304" pitchFamily="18" charset="0"/>
+                <a:cs typeface="Times New Roman" panose="02020603050405020304" pitchFamily="18" charset="0"/>
+              </a:rPr>
+              <a:t>Singh</a:t>
+            </a:r>
+            <a:endParaRPr lang="en-IN" sz="1600" b="1" dirty="0">
+              <a:latin typeface="Times New Roman" panose="02020603050405020304" pitchFamily="18" charset="0"/>
+              <a:cs typeface="Times New Roman" panose="02020603050405020304" pitchFamily="18" charset="0"/>
+            </a:endParaRPr>
           </a:p>
         </p:txBody>
       </p:sp>
@@ -12470,7 +12562,7 @@
           <p:cNvPr id="2" name="Title 1">
             <a:extLst>
               <a:ext uri="{FF2B5EF4-FFF2-40B4-BE49-F238E27FC236}">
-                <a16:creationId xmlns:a16="http://schemas.microsoft.com/office/drawing/2014/main" id="{EDC39F2B-D2DB-4F41-BA29-5E53A8BC6913}"/>
+                <a16:creationId xmlns:a16="http://schemas.microsoft.com/office/drawing/2014/main" xmlns="" id="{EDC39F2B-D2DB-4F41-BA29-5E53A8BC6913}"/>
               </a:ext>
             </a:extLst>
           </p:cNvPr>
@@ -12509,7 +12601,7 @@
           <p:cNvPr id="3" name="TextBox 2">
             <a:extLst>
               <a:ext uri="{FF2B5EF4-FFF2-40B4-BE49-F238E27FC236}">
-                <a16:creationId xmlns:a16="http://schemas.microsoft.com/office/drawing/2014/main" id="{63E58FED-CA22-4604-BB4D-96E7783F9312}"/>
+                <a16:creationId xmlns:a16="http://schemas.microsoft.com/office/drawing/2014/main" xmlns="" id="{63E58FED-CA22-4604-BB4D-96E7783F9312}"/>
               </a:ext>
             </a:extLst>
           </p:cNvPr>
@@ -12788,10 +12880,310 @@
       </p:grpSpPr>
       <p:sp>
         <p:nvSpPr>
+          <p:cNvPr id="3" name="TextBox 2"/>
+          <p:cNvSpPr txBox="1"/>
+          <p:nvPr/>
+        </p:nvSpPr>
+        <p:spPr>
+          <a:xfrm>
+            <a:off x="4310744" y="2244437"/>
+            <a:ext cx="2873828" cy="1200329"/>
+          </a:xfrm>
+          <a:prstGeom prst="rect">
+            <a:avLst/>
+          </a:prstGeom>
+          <a:noFill/>
+        </p:spPr>
+        <p:txBody>
+          <a:bodyPr wrap="square" rtlCol="0">
+            <a:spAutoFit/>
+          </a:bodyPr>
+          <a:lstStyle/>
+          <a:p>
+            <a:r>
+              <a:rPr lang="en-US" sz="3600" b="1" dirty="0" smtClean="0">
+                <a:solidFill>
+                  <a:srgbClr val="002060"/>
+                </a:solidFill>
+                <a:latin typeface="Times New Roman" panose="02020603050405020304" pitchFamily="18" charset="0"/>
+                <a:cs typeface="Times New Roman" panose="02020603050405020304" pitchFamily="18" charset="0"/>
+              </a:rPr>
+              <a:t> USE CASE DIAGRAMS</a:t>
+            </a:r>
+            <a:endParaRPr lang="en-IN" sz="3600" dirty="0"/>
+          </a:p>
+        </p:txBody>
+      </p:sp>
+    </p:spTree>
+    <p:extLst>
+      <p:ext uri="{BB962C8B-B14F-4D97-AF65-F5344CB8AC3E}">
+        <p14:creationId xmlns:p14="http://schemas.microsoft.com/office/powerpoint/2010/main" val="1759991454"/>
+      </p:ext>
+    </p:extLst>
+  </p:cSld>
+  <p:clrMapOvr>
+    <a:masterClrMapping/>
+  </p:clrMapOvr>
+</p:sld>
+</file>
+
+<file path=ppt/slides/slide4.xml><?xml version="1.0" encoding="utf-8"?>
+<p:sld xmlns:a="http://schemas.openxmlformats.org/drawingml/2006/main" xmlns:r="http://schemas.openxmlformats.org/officeDocument/2006/relationships" xmlns:p="http://schemas.openxmlformats.org/presentationml/2006/main">
+  <p:cSld>
+    <p:spTree>
+      <p:nvGrpSpPr>
+        <p:cNvPr id="1" name=""/>
+        <p:cNvGrpSpPr/>
+        <p:nvPr/>
+      </p:nvGrpSpPr>
+      <p:grpSpPr>
+        <a:xfrm>
+          <a:off x="0" y="0"/>
+          <a:ext cx="0" cy="0"/>
+          <a:chOff x="0" y="0"/>
+          <a:chExt cx="0" cy="0"/>
+        </a:xfrm>
+      </p:grpSpPr>
+      <p:pic>
+        <p:nvPicPr>
+          <p:cNvPr id="8194" name="Picture 2" descr="https://documents.lucidchart.com/documents/a1e98e32-fd67-464b-b282-dac8597c6c15/pages/0_0?a=1135&amp;x=185&amp;y=-27&amp;w=917&amp;h=1034&amp;store=1&amp;accept=image%2F*&amp;auth=LCA%203e7f88521c0b148b8ab928d438fc140c725e483c-ts%3D1568551211"/>
+          <p:cNvPicPr>
+            <a:picLocks noChangeAspect="1" noChangeArrowheads="1"/>
+          </p:cNvPicPr>
+          <p:nvPr/>
+        </p:nvPicPr>
+        <p:blipFill>
+          <a:blip r:embed="rId2">
+            <a:extLst>
+              <a:ext uri="{28A0092B-C50C-407E-A947-70E740481C1C}">
+                <a14:useLocalDpi xmlns:a14="http://schemas.microsoft.com/office/drawing/2010/main" val="0"/>
+              </a:ext>
+            </a:extLst>
+          </a:blip>
+          <a:srcRect/>
+          <a:stretch>
+            <a:fillRect/>
+          </a:stretch>
+        </p:blipFill>
+        <p:spPr bwMode="auto">
+          <a:xfrm>
+            <a:off x="2588822" y="35857"/>
+            <a:ext cx="6048498" cy="6822143"/>
+          </a:xfrm>
+          <a:prstGeom prst="rect">
+            <a:avLst/>
+          </a:prstGeom>
+          <a:noFill/>
+          <a:extLst>
+            <a:ext uri="{909E8E84-426E-40DD-AFC4-6F175D3DCCD1}">
+              <a14:hiddenFill xmlns:a14="http://schemas.microsoft.com/office/drawing/2010/main">
+                <a:solidFill>
+                  <a:srgbClr val="FFFFFF"/>
+                </a:solidFill>
+              </a14:hiddenFill>
+            </a:ext>
+          </a:extLst>
+        </p:spPr>
+      </p:pic>
+    </p:spTree>
+    <p:extLst>
+      <p:ext uri="{BB962C8B-B14F-4D97-AF65-F5344CB8AC3E}">
+        <p14:creationId xmlns:p14="http://schemas.microsoft.com/office/powerpoint/2010/main" val="801806958"/>
+      </p:ext>
+    </p:extLst>
+  </p:cSld>
+  <p:clrMapOvr>
+    <a:masterClrMapping/>
+  </p:clrMapOvr>
+  <p:timing>
+    <p:tnLst>
+      <p:par>
+        <p:cTn id="1" dur="indefinite" restart="never" nodeType="tmRoot"/>
+      </p:par>
+    </p:tnLst>
+  </p:timing>
+</p:sld>
+</file>
+
+<file path=ppt/slides/slide5.xml><?xml version="1.0" encoding="utf-8"?>
+<p:sld xmlns:a="http://schemas.openxmlformats.org/drawingml/2006/main" xmlns:r="http://schemas.openxmlformats.org/officeDocument/2006/relationships" xmlns:p="http://schemas.openxmlformats.org/presentationml/2006/main">
+  <p:cSld>
+    <p:spTree>
+      <p:nvGrpSpPr>
+        <p:cNvPr id="1" name=""/>
+        <p:cNvGrpSpPr/>
+        <p:nvPr/>
+      </p:nvGrpSpPr>
+      <p:grpSpPr>
+        <a:xfrm>
+          <a:off x="0" y="0"/>
+          <a:ext cx="0" cy="0"/>
+          <a:chOff x="0" y="0"/>
+          <a:chExt cx="0" cy="0"/>
+        </a:xfrm>
+      </p:grpSpPr>
+      <p:pic>
+        <p:nvPicPr>
+          <p:cNvPr id="3076" name="Picture 4" descr="https://documents.lucidchart.com/documents/a1e98e32-fd67-464b-b282-dac8597c6c15/pages/0_0?a=893&amp;x=161&amp;y=99&amp;w=962&amp;h=902&amp;store=1&amp;accept=image%2F*&amp;auth=LCA%2076b6ffff087b3c4f7d396df12507de59098fc429-ts%3D1568551211"/>
+          <p:cNvPicPr>
+            <a:picLocks noChangeAspect="1" noChangeArrowheads="1"/>
+          </p:cNvPicPr>
+          <p:nvPr/>
+        </p:nvPicPr>
+        <p:blipFill>
+          <a:blip r:embed="rId2">
+            <a:extLst>
+              <a:ext uri="{28A0092B-C50C-407E-A947-70E740481C1C}">
+                <a14:useLocalDpi xmlns:a14="http://schemas.microsoft.com/office/drawing/2010/main" val="0"/>
+              </a:ext>
+            </a:extLst>
+          </a:blip>
+          <a:srcRect/>
+          <a:stretch>
+            <a:fillRect/>
+          </a:stretch>
+        </p:blipFill>
+        <p:spPr bwMode="auto">
+          <a:xfrm>
+            <a:off x="2261465" y="161780"/>
+            <a:ext cx="6877050" cy="6448426"/>
+          </a:xfrm>
+          <a:prstGeom prst="rect">
+            <a:avLst/>
+          </a:prstGeom>
+          <a:noFill/>
+          <a:extLst>
+            <a:ext uri="{909E8E84-426E-40DD-AFC4-6F175D3DCCD1}">
+              <a14:hiddenFill xmlns:a14="http://schemas.microsoft.com/office/drawing/2010/main">
+                <a:solidFill>
+                  <a:srgbClr val="FFFFFF"/>
+                </a:solidFill>
+              </a14:hiddenFill>
+            </a:ext>
+          </a:extLst>
+        </p:spPr>
+      </p:pic>
+    </p:spTree>
+    <p:extLst>
+      <p:ext uri="{BB962C8B-B14F-4D97-AF65-F5344CB8AC3E}">
+        <p14:creationId xmlns:p14="http://schemas.microsoft.com/office/powerpoint/2010/main" val="2465787639"/>
+      </p:ext>
+    </p:extLst>
+  </p:cSld>
+  <p:clrMapOvr>
+    <a:masterClrMapping/>
+  </p:clrMapOvr>
+  <p:timing>
+    <p:tnLst>
+      <p:par>
+        <p:cTn id="1" dur="indefinite" restart="never" nodeType="tmRoot"/>
+      </p:par>
+    </p:tnLst>
+  </p:timing>
+</p:sld>
+</file>
+
+<file path=ppt/slides/slide6.xml><?xml version="1.0" encoding="utf-8"?>
+<p:sld xmlns:a="http://schemas.openxmlformats.org/drawingml/2006/main" xmlns:r="http://schemas.openxmlformats.org/officeDocument/2006/relationships" xmlns:p="http://schemas.openxmlformats.org/presentationml/2006/main">
+  <p:cSld>
+    <p:spTree>
+      <p:nvGrpSpPr>
+        <p:cNvPr id="1" name=""/>
+        <p:cNvGrpSpPr/>
+        <p:nvPr/>
+      </p:nvGrpSpPr>
+      <p:grpSpPr>
+        <a:xfrm>
+          <a:off x="0" y="0"/>
+          <a:ext cx="0" cy="0"/>
+          <a:chOff x="0" y="0"/>
+          <a:chExt cx="0" cy="0"/>
+        </a:xfrm>
+      </p:grpSpPr>
+      <p:pic>
+        <p:nvPicPr>
+          <p:cNvPr id="9218" name="Picture 2" descr="https://documents.lucidchart.com/documents/a1e98e32-fd67-464b-b282-dac8597c6c15/pages/0_0?a=1506&amp;x=184&amp;y=99&amp;w=939&amp;h=902&amp;store=1&amp;accept=image%2F*&amp;auth=LCA%206c4d2f0a77e2376fba87e1950dca53b9c694f8e7-ts%3D1568551211"/>
+          <p:cNvPicPr>
+            <a:picLocks noChangeAspect="1" noChangeArrowheads="1"/>
+          </p:cNvPicPr>
+          <p:nvPr/>
+        </p:nvPicPr>
+        <p:blipFill>
+          <a:blip r:embed="rId2">
+            <a:extLst>
+              <a:ext uri="{28A0092B-C50C-407E-A947-70E740481C1C}">
+                <a14:useLocalDpi xmlns:a14="http://schemas.microsoft.com/office/drawing/2010/main" val="0"/>
+              </a:ext>
+            </a:extLst>
+          </a:blip>
+          <a:srcRect/>
+          <a:stretch>
+            <a:fillRect/>
+          </a:stretch>
+        </p:blipFill>
+        <p:spPr bwMode="auto">
+          <a:xfrm>
+            <a:off x="2289174" y="138545"/>
+            <a:ext cx="6771699" cy="6719455"/>
+          </a:xfrm>
+          <a:prstGeom prst="rect">
+            <a:avLst/>
+          </a:prstGeom>
+          <a:noFill/>
+          <a:extLst>
+            <a:ext uri="{909E8E84-426E-40DD-AFC4-6F175D3DCCD1}">
+              <a14:hiddenFill xmlns:a14="http://schemas.microsoft.com/office/drawing/2010/main">
+                <a:solidFill>
+                  <a:srgbClr val="FFFFFF"/>
+                </a:solidFill>
+              </a14:hiddenFill>
+            </a:ext>
+          </a:extLst>
+        </p:spPr>
+      </p:pic>
+    </p:spTree>
+    <p:extLst>
+      <p:ext uri="{BB962C8B-B14F-4D97-AF65-F5344CB8AC3E}">
+        <p14:creationId xmlns:p14="http://schemas.microsoft.com/office/powerpoint/2010/main" val="1002311418"/>
+      </p:ext>
+    </p:extLst>
+  </p:cSld>
+  <p:clrMapOvr>
+    <a:masterClrMapping/>
+  </p:clrMapOvr>
+  <p:timing>
+    <p:tnLst>
+      <p:par>
+        <p:cTn id="1" dur="indefinite" restart="never" nodeType="tmRoot"/>
+      </p:par>
+    </p:tnLst>
+  </p:timing>
+</p:sld>
+</file>
+
+<file path=ppt/slides/slide7.xml><?xml version="1.0" encoding="utf-8"?>
+<p:sld xmlns:a="http://schemas.openxmlformats.org/drawingml/2006/main" xmlns:r="http://schemas.openxmlformats.org/officeDocument/2006/relationships" xmlns:p="http://schemas.openxmlformats.org/presentationml/2006/main">
+  <p:cSld>
+    <p:spTree>
+      <p:nvGrpSpPr>
+        <p:cNvPr id="1" name=""/>
+        <p:cNvGrpSpPr/>
+        <p:nvPr/>
+      </p:nvGrpSpPr>
+      <p:grpSpPr>
+        <a:xfrm>
+          <a:off x="0" y="0"/>
+          <a:ext cx="0" cy="0"/>
+          <a:chOff x="0" y="0"/>
+          <a:chExt cx="0" cy="0"/>
+        </a:xfrm>
+      </p:grpSpPr>
+      <p:sp>
+        <p:nvSpPr>
           <p:cNvPr id="2" name="Title 1">
             <a:extLst>
               <a:ext uri="{FF2B5EF4-FFF2-40B4-BE49-F238E27FC236}">
-                <a16:creationId xmlns:a16="http://schemas.microsoft.com/office/drawing/2014/main" id="{EDC39F2B-D2DB-4F41-BA29-5E53A8BC6913}"/>
+                <a16:creationId xmlns:a16="http://schemas.microsoft.com/office/drawing/2014/main" xmlns="" id="{EDC39F2B-D2DB-4F41-BA29-5E53A8BC6913}"/>
               </a:ext>
             </a:extLst>
           </p:cNvPr>
@@ -12809,7 +13201,9 @@
           </a:xfrm>
         </p:spPr>
         <p:txBody>
-          <a:bodyPr/>
+          <a:bodyPr>
+            <a:noAutofit/>
+          </a:bodyPr>
           <a:lstStyle/>
           <a:p>
             <a:r>
@@ -12820,7 +13214,7 @@
                 <a:latin typeface="Times New Roman" panose="02020603050405020304" pitchFamily="18" charset="0"/>
                 <a:cs typeface="Times New Roman" panose="02020603050405020304" pitchFamily="18" charset="0"/>
               </a:rPr>
-              <a:t>Used case 1: order initialization </a:t>
+              <a:t>Sequence diagram: order initialization</a:t>
             </a:r>
           </a:p>
         </p:txBody>
@@ -12830,7 +13224,7 @@
           <p:cNvPr id="3" name="TextBox 2">
             <a:extLst>
               <a:ext uri="{FF2B5EF4-FFF2-40B4-BE49-F238E27FC236}">
-                <a16:creationId xmlns:a16="http://schemas.microsoft.com/office/drawing/2014/main" id="{63E58FED-CA22-4604-BB4D-96E7783F9312}"/>
+                <a16:creationId xmlns:a16="http://schemas.microsoft.com/office/drawing/2014/main" xmlns="" id="{63E58FED-CA22-4604-BB4D-96E7783F9312}"/>
               </a:ext>
             </a:extLst>
           </p:cNvPr>
@@ -12865,7 +13259,7 @@
           <p:cNvPr id="5" name="Rectangle 3">
             <a:extLst>
               <a:ext uri="{FF2B5EF4-FFF2-40B4-BE49-F238E27FC236}">
-                <a16:creationId xmlns:a16="http://schemas.microsoft.com/office/drawing/2014/main" id="{090DE606-AADC-4BD5-8EB9-0C18B0C78986}"/>
+                <a16:creationId xmlns:a16="http://schemas.microsoft.com/office/drawing/2014/main" xmlns="" id="{090DE606-AADC-4BD5-8EB9-0C18B0C78986}"/>
               </a:ext>
             </a:extLst>
           </p:cNvPr>
@@ -12934,7 +13328,7 @@
           <p:cNvPr id="6" name="Rectangle 4">
             <a:extLst>
               <a:ext uri="{FF2B5EF4-FFF2-40B4-BE49-F238E27FC236}">
-                <a16:creationId xmlns:a16="http://schemas.microsoft.com/office/drawing/2014/main" id="{84E3C2EA-D192-4F64-A273-3C4EE3AFA7B0}"/>
+                <a16:creationId xmlns:a16="http://schemas.microsoft.com/office/drawing/2014/main" xmlns="" id="{84E3C2EA-D192-4F64-A273-3C4EE3AFA7B0}"/>
               </a:ext>
             </a:extLst>
           </p:cNvPr>
@@ -13003,7 +13397,7 @@
           <p:cNvPr id="7" name="Rectangle 5">
             <a:extLst>
               <a:ext uri="{FF2B5EF4-FFF2-40B4-BE49-F238E27FC236}">
-                <a16:creationId xmlns:a16="http://schemas.microsoft.com/office/drawing/2014/main" id="{03883396-D3E8-4A55-82C8-3FDE39BC14F0}"/>
+                <a16:creationId xmlns:a16="http://schemas.microsoft.com/office/drawing/2014/main" xmlns="" id="{03883396-D3E8-4A55-82C8-3FDE39BC14F0}"/>
               </a:ext>
             </a:extLst>
           </p:cNvPr>
@@ -13072,35 +13466,44 @@
           <p:cNvPr id="8" name="Picture 7">
             <a:extLst>
               <a:ext uri="{FF2B5EF4-FFF2-40B4-BE49-F238E27FC236}">
-                <a16:creationId xmlns:a16="http://schemas.microsoft.com/office/drawing/2014/main" id="{676A75E9-E50A-44BD-92BB-1AC9760E19F3}"/>
+                <a16:creationId xmlns:a16="http://schemas.microsoft.com/office/drawing/2014/main" xmlns="" id="{3136089E-6881-421F-9355-AC00CD41FEEB}"/>
               </a:ext>
             </a:extLst>
           </p:cNvPr>
-          <p:cNvPicPr>
-            <a:picLocks noChangeAspect="1"/>
-          </p:cNvPicPr>
+          <p:cNvPicPr/>
           <p:nvPr/>
         </p:nvPicPr>
         <p:blipFill>
-          <a:blip r:embed="rId2"/>
+          <a:blip r:embed="rId2" cstate="print">
+            <a:extLst>
+              <a:ext uri="{28A0092B-C50C-407E-A947-70E740481C1C}">
+                <a14:useLocalDpi xmlns:a14="http://schemas.microsoft.com/office/drawing/2010/main" val="0"/>
+              </a:ext>
+            </a:extLst>
+          </a:blip>
+          <a:srcRect/>
           <a:stretch>
             <a:fillRect/>
           </a:stretch>
         </p:blipFill>
-        <p:spPr>
+        <p:spPr bwMode="auto">
           <a:xfrm>
-            <a:off x="2408349" y="1307206"/>
-            <a:ext cx="6763869" cy="5042647"/>
+            <a:off x="1983346" y="1468192"/>
+            <a:ext cx="7972023" cy="5007460"/>
           </a:xfrm>
           <a:prstGeom prst="rect">
             <a:avLst/>
           </a:prstGeom>
+          <a:noFill/>
+          <a:ln>
+            <a:noFill/>
+          </a:ln>
         </p:spPr>
       </p:pic>
     </p:spTree>
     <p:extLst>
       <p:ext uri="{BB962C8B-B14F-4D97-AF65-F5344CB8AC3E}">
-        <p14:creationId xmlns:p14="http://schemas.microsoft.com/office/powerpoint/2010/main" val="1259868504"/>
+        <p14:creationId xmlns:p14="http://schemas.microsoft.com/office/powerpoint/2010/main" val="762151923"/>
       </p:ext>
     </p:extLst>
   </p:cSld>
@@ -13110,7 +13513,7 @@
 </p:sld>
 </file>
 
-<file path=ppt/slides/slide4.xml><?xml version="1.0" encoding="utf-8"?>
+<file path=ppt/slides/slide8.xml><?xml version="1.0" encoding="utf-8"?>
 <p:sld xmlns:a="http://schemas.openxmlformats.org/drawingml/2006/main" xmlns:r="http://schemas.openxmlformats.org/officeDocument/2006/relationships" xmlns:p="http://schemas.openxmlformats.org/presentationml/2006/main">
   <p:cSld>
     <p:spTree>
@@ -13132,7 +13535,7 @@
           <p:cNvPr id="2" name="Title 1">
             <a:extLst>
               <a:ext uri="{FF2B5EF4-FFF2-40B4-BE49-F238E27FC236}">
-                <a16:creationId xmlns:a16="http://schemas.microsoft.com/office/drawing/2014/main" id="{EDC39F2B-D2DB-4F41-BA29-5E53A8BC6913}"/>
+                <a16:creationId xmlns:a16="http://schemas.microsoft.com/office/drawing/2014/main" xmlns="" id="{EDC39F2B-D2DB-4F41-BA29-5E53A8BC6913}"/>
               </a:ext>
             </a:extLst>
           </p:cNvPr>
@@ -13150,7 +13553,9 @@
           </a:xfrm>
         </p:spPr>
         <p:txBody>
-          <a:bodyPr/>
+          <a:bodyPr>
+            <a:noAutofit/>
+          </a:bodyPr>
           <a:lstStyle/>
           <a:p>
             <a:r>
@@ -13161,7 +13566,7 @@
                 <a:latin typeface="Times New Roman" panose="02020603050405020304" pitchFamily="18" charset="0"/>
                 <a:cs typeface="Times New Roman" panose="02020603050405020304" pitchFamily="18" charset="0"/>
               </a:rPr>
-              <a:t>Used case 2: order cancellation </a:t>
+              <a:t>Sequence diagram: order cancellation</a:t>
             </a:r>
           </a:p>
         </p:txBody>
@@ -13171,7 +13576,7 @@
           <p:cNvPr id="3" name="TextBox 2">
             <a:extLst>
               <a:ext uri="{FF2B5EF4-FFF2-40B4-BE49-F238E27FC236}">
-                <a16:creationId xmlns:a16="http://schemas.microsoft.com/office/drawing/2014/main" id="{63E58FED-CA22-4604-BB4D-96E7783F9312}"/>
+                <a16:creationId xmlns:a16="http://schemas.microsoft.com/office/drawing/2014/main" xmlns="" id="{63E58FED-CA22-4604-BB4D-96E7783F9312}"/>
               </a:ext>
             </a:extLst>
           </p:cNvPr>
@@ -13206,7 +13611,7 @@
           <p:cNvPr id="5" name="Rectangle 3">
             <a:extLst>
               <a:ext uri="{FF2B5EF4-FFF2-40B4-BE49-F238E27FC236}">
-                <a16:creationId xmlns:a16="http://schemas.microsoft.com/office/drawing/2014/main" id="{090DE606-AADC-4BD5-8EB9-0C18B0C78986}"/>
+                <a16:creationId xmlns:a16="http://schemas.microsoft.com/office/drawing/2014/main" xmlns="" id="{090DE606-AADC-4BD5-8EB9-0C18B0C78986}"/>
               </a:ext>
             </a:extLst>
           </p:cNvPr>
@@ -13275,7 +13680,7 @@
           <p:cNvPr id="6" name="Rectangle 4">
             <a:extLst>
               <a:ext uri="{FF2B5EF4-FFF2-40B4-BE49-F238E27FC236}">
-                <a16:creationId xmlns:a16="http://schemas.microsoft.com/office/drawing/2014/main" id="{84E3C2EA-D192-4F64-A273-3C4EE3AFA7B0}"/>
+                <a16:creationId xmlns:a16="http://schemas.microsoft.com/office/drawing/2014/main" xmlns="" id="{84E3C2EA-D192-4F64-A273-3C4EE3AFA7B0}"/>
               </a:ext>
             </a:extLst>
           </p:cNvPr>
@@ -13344,7 +13749,7 @@
           <p:cNvPr id="7" name="Rectangle 5">
             <a:extLst>
               <a:ext uri="{FF2B5EF4-FFF2-40B4-BE49-F238E27FC236}">
-                <a16:creationId xmlns:a16="http://schemas.microsoft.com/office/drawing/2014/main" id="{03883396-D3E8-4A55-82C8-3FDE39BC14F0}"/>
+                <a16:creationId xmlns:a16="http://schemas.microsoft.com/office/drawing/2014/main" xmlns="" id="{03883396-D3E8-4A55-82C8-3FDE39BC14F0}"/>
               </a:ext>
             </a:extLst>
           </p:cNvPr>
@@ -13410,10 +13815,10 @@
       </p:sp>
       <p:pic>
         <p:nvPicPr>
-          <p:cNvPr id="1026" name="Picture 2">
+          <p:cNvPr id="2050" name="Picture 2">
             <a:extLst>
               <a:ext uri="{FF2B5EF4-FFF2-40B4-BE49-F238E27FC236}">
-                <a16:creationId xmlns:a16="http://schemas.microsoft.com/office/drawing/2014/main" id="{ED735756-770F-457C-A0E6-B3FAB5B35F6C}"/>
+                <a16:creationId xmlns:a16="http://schemas.microsoft.com/office/drawing/2014/main" xmlns="" id="{873220F4-1636-4CB1-B5E5-FE0BC125D310}"/>
               </a:ext>
             </a:extLst>
           </p:cNvPr>
@@ -13437,8 +13842,8 @@
         </p:blipFill>
         <p:spPr bwMode="auto">
           <a:xfrm>
-            <a:off x="3473041" y="1254662"/>
-            <a:ext cx="4622751" cy="5429361"/>
+            <a:off x="1818969" y="1393434"/>
+            <a:ext cx="8550884" cy="5171471"/>
           </a:xfrm>
           <a:prstGeom prst="rect">
             <a:avLst/>
@@ -13458,7 +13863,7 @@
     </p:spTree>
     <p:extLst>
       <p:ext uri="{BB962C8B-B14F-4D97-AF65-F5344CB8AC3E}">
-        <p14:creationId xmlns:p14="http://schemas.microsoft.com/office/powerpoint/2010/main" val="2108612323"/>
+        <p14:creationId xmlns:p14="http://schemas.microsoft.com/office/powerpoint/2010/main" val="2200223011"/>
       </p:ext>
     </p:extLst>
   </p:cSld>
@@ -13468,7 +13873,7 @@
 </p:sld>
 </file>
 
-<file path=ppt/slides/slide5.xml><?xml version="1.0" encoding="utf-8"?>
+<file path=ppt/slides/slide9.xml><?xml version="1.0" encoding="utf-8"?>
 <p:sld xmlns:a="http://schemas.openxmlformats.org/drawingml/2006/main" xmlns:r="http://schemas.openxmlformats.org/officeDocument/2006/relationships" xmlns:p="http://schemas.openxmlformats.org/presentationml/2006/main">
   <p:cSld>
     <p:spTree>
@@ -13490,7 +13895,7 @@
           <p:cNvPr id="2" name="Title 1">
             <a:extLst>
               <a:ext uri="{FF2B5EF4-FFF2-40B4-BE49-F238E27FC236}">
-                <a16:creationId xmlns:a16="http://schemas.microsoft.com/office/drawing/2014/main" id="{EDC39F2B-D2DB-4F41-BA29-5E53A8BC6913}"/>
+                <a16:creationId xmlns:a16="http://schemas.microsoft.com/office/drawing/2014/main" xmlns="" id="{EDC39F2B-D2DB-4F41-BA29-5E53A8BC6913}"/>
               </a:ext>
             </a:extLst>
           </p:cNvPr>
@@ -13521,7 +13926,7 @@
                 <a:latin typeface="Times New Roman" panose="02020603050405020304" pitchFamily="18" charset="0"/>
                 <a:cs typeface="Times New Roman" panose="02020603050405020304" pitchFamily="18" charset="0"/>
               </a:rPr>
-              <a:t>Sequence diagram: order initialization</a:t>
+              <a:t>class diagram</a:t>
             </a:r>
           </a:p>
         </p:txBody>
@@ -13531,7 +13936,7 @@
           <p:cNvPr id="3" name="TextBox 2">
             <a:extLst>
               <a:ext uri="{FF2B5EF4-FFF2-40B4-BE49-F238E27FC236}">
-                <a16:creationId xmlns:a16="http://schemas.microsoft.com/office/drawing/2014/main" id="{63E58FED-CA22-4604-BB4D-96E7783F9312}"/>
+                <a16:creationId xmlns:a16="http://schemas.microsoft.com/office/drawing/2014/main" xmlns="" id="{63E58FED-CA22-4604-BB4D-96E7783F9312}"/>
               </a:ext>
             </a:extLst>
           </p:cNvPr>
@@ -13540,8 +13945,8 @@
         </p:nvSpPr>
         <p:spPr>
           <a:xfrm>
-            <a:off x="1236868" y="1711862"/>
-            <a:ext cx="9242092" cy="646331"/>
+            <a:off x="981313" y="1400488"/>
+            <a:ext cx="2420654" cy="369332"/>
           </a:xfrm>
           <a:prstGeom prst="rect">
             <a:avLst/>
@@ -13554,10 +13959,28 @@
           </a:bodyPr>
           <a:lstStyle/>
           <a:p>
-            <a:endParaRPr lang="en-IN" dirty="0"/>
-          </a:p>
-          <a:p>
-            <a:endParaRPr lang="en-IN" dirty="0"/>
+            <a:r>
+              <a:rPr lang="en-IN" b="1" dirty="0">
+                <a:solidFill>
+                  <a:schemeClr val="bg1">
+                    <a:lumMod val="95000"/>
+                    <a:lumOff val="5000"/>
+                  </a:schemeClr>
+                </a:solidFill>
+              </a:rPr>
+              <a:t>GreatOutdoors.Entities</a:t>
+            </a:r>
+            <a:r>
+              <a:rPr lang="en-IN" dirty="0">
+                <a:solidFill>
+                  <a:schemeClr val="bg1">
+                    <a:lumMod val="95000"/>
+                    <a:lumOff val="5000"/>
+                  </a:schemeClr>
+                </a:solidFill>
+              </a:rPr>
+              <a:t>:</a:t>
+            </a:r>
           </a:p>
         </p:txBody>
       </p:sp>
@@ -13566,7 +13989,7 @@
           <p:cNvPr id="5" name="Rectangle 3">
             <a:extLst>
               <a:ext uri="{FF2B5EF4-FFF2-40B4-BE49-F238E27FC236}">
-                <a16:creationId xmlns:a16="http://schemas.microsoft.com/office/drawing/2014/main" id="{090DE606-AADC-4BD5-8EB9-0C18B0C78986}"/>
+                <a16:creationId xmlns:a16="http://schemas.microsoft.com/office/drawing/2014/main" xmlns="" id="{090DE606-AADC-4BD5-8EB9-0C18B0C78986}"/>
               </a:ext>
             </a:extLst>
           </p:cNvPr>
@@ -13635,7 +14058,7 @@
           <p:cNvPr id="6" name="Rectangle 4">
             <a:extLst>
               <a:ext uri="{FF2B5EF4-FFF2-40B4-BE49-F238E27FC236}">
-                <a16:creationId xmlns:a16="http://schemas.microsoft.com/office/drawing/2014/main" id="{84E3C2EA-D192-4F64-A273-3C4EE3AFA7B0}"/>
+                <a16:creationId xmlns:a16="http://schemas.microsoft.com/office/drawing/2014/main" xmlns="" id="{84E3C2EA-D192-4F64-A273-3C4EE3AFA7B0}"/>
               </a:ext>
             </a:extLst>
           </p:cNvPr>
@@ -13704,7 +14127,7 @@
           <p:cNvPr id="7" name="Rectangle 5">
             <a:extLst>
               <a:ext uri="{FF2B5EF4-FFF2-40B4-BE49-F238E27FC236}">
-                <a16:creationId xmlns:a16="http://schemas.microsoft.com/office/drawing/2014/main" id="{03883396-D3E8-4A55-82C8-3FDE39BC14F0}"/>
+                <a16:creationId xmlns:a16="http://schemas.microsoft.com/office/drawing/2014/main" xmlns="" id="{03883396-D3E8-4A55-82C8-3FDE39BC14F0}"/>
               </a:ext>
             </a:extLst>
           </p:cNvPr>
@@ -13773,737 +14196,7 @@
           <p:cNvPr id="8" name="Picture 7">
             <a:extLst>
               <a:ext uri="{FF2B5EF4-FFF2-40B4-BE49-F238E27FC236}">
-                <a16:creationId xmlns:a16="http://schemas.microsoft.com/office/drawing/2014/main" id="{3136089E-6881-421F-9355-AC00CD41FEEB}"/>
-              </a:ext>
-            </a:extLst>
-          </p:cNvPr>
-          <p:cNvPicPr/>
-          <p:nvPr/>
-        </p:nvPicPr>
-        <p:blipFill>
-          <a:blip r:embed="rId2" cstate="print">
-            <a:extLst>
-              <a:ext uri="{28A0092B-C50C-407E-A947-70E740481C1C}">
-                <a14:useLocalDpi xmlns:a14="http://schemas.microsoft.com/office/drawing/2010/main" val="0"/>
-              </a:ext>
-            </a:extLst>
-          </a:blip>
-          <a:srcRect/>
-          <a:stretch>
-            <a:fillRect/>
-          </a:stretch>
-        </p:blipFill>
-        <p:spPr bwMode="auto">
-          <a:xfrm>
-            <a:off x="1983346" y="1468192"/>
-            <a:ext cx="7972023" cy="5007460"/>
-          </a:xfrm>
-          <a:prstGeom prst="rect">
-            <a:avLst/>
-          </a:prstGeom>
-          <a:noFill/>
-          <a:ln>
-            <a:noFill/>
-          </a:ln>
-        </p:spPr>
-      </p:pic>
-    </p:spTree>
-    <p:extLst>
-      <p:ext uri="{BB962C8B-B14F-4D97-AF65-F5344CB8AC3E}">
-        <p14:creationId xmlns:p14="http://schemas.microsoft.com/office/powerpoint/2010/main" val="762151923"/>
-      </p:ext>
-    </p:extLst>
-  </p:cSld>
-  <p:clrMapOvr>
-    <a:masterClrMapping/>
-  </p:clrMapOvr>
-</p:sld>
-</file>
-
-<file path=ppt/slides/slide6.xml><?xml version="1.0" encoding="utf-8"?>
-<p:sld xmlns:a="http://schemas.openxmlformats.org/drawingml/2006/main" xmlns:r="http://schemas.openxmlformats.org/officeDocument/2006/relationships" xmlns:p="http://schemas.openxmlformats.org/presentationml/2006/main">
-  <p:cSld>
-    <p:spTree>
-      <p:nvGrpSpPr>
-        <p:cNvPr id="1" name=""/>
-        <p:cNvGrpSpPr/>
-        <p:nvPr/>
-      </p:nvGrpSpPr>
-      <p:grpSpPr>
-        <a:xfrm>
-          <a:off x="0" y="0"/>
-          <a:ext cx="0" cy="0"/>
-          <a:chOff x="0" y="0"/>
-          <a:chExt cx="0" cy="0"/>
-        </a:xfrm>
-      </p:grpSpPr>
-      <p:sp>
-        <p:nvSpPr>
-          <p:cNvPr id="2" name="Title 1">
-            <a:extLst>
-              <a:ext uri="{FF2B5EF4-FFF2-40B4-BE49-F238E27FC236}">
-                <a16:creationId xmlns:a16="http://schemas.microsoft.com/office/drawing/2014/main" id="{EDC39F2B-D2DB-4F41-BA29-5E53A8BC6913}"/>
-              </a:ext>
-            </a:extLst>
-          </p:cNvPr>
-          <p:cNvSpPr>
-            <a:spLocks noGrp="1"/>
-          </p:cNvSpPr>
-          <p:nvPr>
-            <p:ph type="title"/>
-          </p:nvPr>
-        </p:nvSpPr>
-        <p:spPr>
-          <a:xfrm>
-            <a:off x="1141412" y="382348"/>
-            <a:ext cx="9905998" cy="872314"/>
-          </a:xfrm>
-        </p:spPr>
-        <p:txBody>
-          <a:bodyPr>
-            <a:noAutofit/>
-          </a:bodyPr>
-          <a:lstStyle/>
-          <a:p>
-            <a:r>
-              <a:rPr lang="en-IN" b="1" dirty="0">
-                <a:solidFill>
-                  <a:srgbClr val="002060"/>
-                </a:solidFill>
-                <a:latin typeface="Times New Roman" panose="02020603050405020304" pitchFamily="18" charset="0"/>
-                <a:cs typeface="Times New Roman" panose="02020603050405020304" pitchFamily="18" charset="0"/>
-              </a:rPr>
-              <a:t>Sequence diagram: order cancellation</a:t>
-            </a:r>
-          </a:p>
-        </p:txBody>
-      </p:sp>
-      <p:sp>
-        <p:nvSpPr>
-          <p:cNvPr id="3" name="TextBox 2">
-            <a:extLst>
-              <a:ext uri="{FF2B5EF4-FFF2-40B4-BE49-F238E27FC236}">
-                <a16:creationId xmlns:a16="http://schemas.microsoft.com/office/drawing/2014/main" id="{63E58FED-CA22-4604-BB4D-96E7783F9312}"/>
-              </a:ext>
-            </a:extLst>
-          </p:cNvPr>
-          <p:cNvSpPr txBox="1"/>
-          <p:nvPr/>
-        </p:nvSpPr>
-        <p:spPr>
-          <a:xfrm>
-            <a:off x="1236868" y="1711862"/>
-            <a:ext cx="9242092" cy="646331"/>
-          </a:xfrm>
-          <a:prstGeom prst="rect">
-            <a:avLst/>
-          </a:prstGeom>
-          <a:noFill/>
-        </p:spPr>
-        <p:txBody>
-          <a:bodyPr wrap="square" rtlCol="0">
-            <a:spAutoFit/>
-          </a:bodyPr>
-          <a:lstStyle/>
-          <a:p>
-            <a:endParaRPr lang="en-IN" dirty="0"/>
-          </a:p>
-          <a:p>
-            <a:endParaRPr lang="en-IN" dirty="0"/>
-          </a:p>
-        </p:txBody>
-      </p:sp>
-      <p:sp>
-        <p:nvSpPr>
-          <p:cNvPr id="5" name="Rectangle 3">
-            <a:extLst>
-              <a:ext uri="{FF2B5EF4-FFF2-40B4-BE49-F238E27FC236}">
-                <a16:creationId xmlns:a16="http://schemas.microsoft.com/office/drawing/2014/main" id="{090DE606-AADC-4BD5-8EB9-0C18B0C78986}"/>
-              </a:ext>
-            </a:extLst>
-          </p:cNvPr>
-          <p:cNvSpPr>
-            <a:spLocks noChangeArrowheads="1"/>
-          </p:cNvSpPr>
-          <p:nvPr/>
-        </p:nvSpPr>
-        <p:spPr bwMode="auto">
-          <a:xfrm>
-            <a:off x="2408349" y="850006"/>
-            <a:ext cx="11374886" cy="457200"/>
-          </a:xfrm>
-          <a:prstGeom prst="rect">
-            <a:avLst/>
-          </a:prstGeom>
-          <a:noFill/>
-          <a:ln>
-            <a:noFill/>
-          </a:ln>
-          <a:effectLst/>
-          <a:extLst>
-            <a:ext uri="{909E8E84-426E-40DD-AFC4-6F175D3DCCD1}">
-              <a14:hiddenFill xmlns:a14="http://schemas.microsoft.com/office/drawing/2010/main">
-                <a:solidFill>
-                  <a:schemeClr val="accent1"/>
-                </a:solidFill>
-              </a14:hiddenFill>
-            </a:ext>
-            <a:ext uri="{91240B29-F687-4F45-9708-019B960494DF}">
-              <a14:hiddenLine xmlns:a14="http://schemas.microsoft.com/office/drawing/2010/main" w="9525">
-                <a:solidFill>
-                  <a:schemeClr val="tx1"/>
-                </a:solidFill>
-                <a:miter lim="800000"/>
-                <a:headEnd/>
-                <a:tailEnd/>
-              </a14:hiddenLine>
-            </a:ext>
-            <a:ext uri="{AF507438-7753-43E0-B8FC-AC1667EBCBE1}">
-              <a14:hiddenEffects xmlns:a14="http://schemas.microsoft.com/office/drawing/2010/main">
-                <a:effectLst>
-                  <a:outerShdw dist="35921" dir="2700000" algn="ctr" rotWithShape="0">
-                    <a:schemeClr val="bg2"/>
-                  </a:outerShdw>
-                </a:effectLst>
-              </a14:hiddenEffects>
-            </a:ext>
-          </a:extLst>
-        </p:spPr>
-        <p:txBody>
-          <a:bodyPr vert="horz" wrap="square" lIns="91440" tIns="45720" rIns="91440" bIns="45720" numCol="1" anchor="ctr" anchorCtr="0" compatLnSpc="1">
-            <a:prstTxWarp prst="textNoShape">
-              <a:avLst/>
-            </a:prstTxWarp>
-            <a:spAutoFit/>
-          </a:bodyPr>
-          <a:lstStyle/>
-          <a:p>
-            <a:endParaRPr lang="en-IN"/>
-          </a:p>
-        </p:txBody>
-      </p:sp>
-      <p:sp>
-        <p:nvSpPr>
-          <p:cNvPr id="6" name="Rectangle 4">
-            <a:extLst>
-              <a:ext uri="{FF2B5EF4-FFF2-40B4-BE49-F238E27FC236}">
-                <a16:creationId xmlns:a16="http://schemas.microsoft.com/office/drawing/2014/main" id="{84E3C2EA-D192-4F64-A273-3C4EE3AFA7B0}"/>
-              </a:ext>
-            </a:extLst>
-          </p:cNvPr>
-          <p:cNvSpPr>
-            <a:spLocks noChangeArrowheads="1"/>
-          </p:cNvSpPr>
-          <p:nvPr/>
-        </p:nvSpPr>
-        <p:spPr bwMode="auto">
-          <a:xfrm>
-            <a:off x="2408349" y="1964431"/>
-            <a:ext cx="11374886" cy="457200"/>
-          </a:xfrm>
-          <a:prstGeom prst="rect">
-            <a:avLst/>
-          </a:prstGeom>
-          <a:noFill/>
-          <a:ln>
-            <a:noFill/>
-          </a:ln>
-          <a:effectLst/>
-          <a:extLst>
-            <a:ext uri="{909E8E84-426E-40DD-AFC4-6F175D3DCCD1}">
-              <a14:hiddenFill xmlns:a14="http://schemas.microsoft.com/office/drawing/2010/main">
-                <a:solidFill>
-                  <a:schemeClr val="accent1"/>
-                </a:solidFill>
-              </a14:hiddenFill>
-            </a:ext>
-            <a:ext uri="{91240B29-F687-4F45-9708-019B960494DF}">
-              <a14:hiddenLine xmlns:a14="http://schemas.microsoft.com/office/drawing/2010/main" w="9525">
-                <a:solidFill>
-                  <a:schemeClr val="tx1"/>
-                </a:solidFill>
-                <a:miter lim="800000"/>
-                <a:headEnd/>
-                <a:tailEnd/>
-              </a14:hiddenLine>
-            </a:ext>
-            <a:ext uri="{AF507438-7753-43E0-B8FC-AC1667EBCBE1}">
-              <a14:hiddenEffects xmlns:a14="http://schemas.microsoft.com/office/drawing/2010/main">
-                <a:effectLst>
-                  <a:outerShdw dist="35921" dir="2700000" algn="ctr" rotWithShape="0">
-                    <a:schemeClr val="bg2"/>
-                  </a:outerShdw>
-                </a:effectLst>
-              </a14:hiddenEffects>
-            </a:ext>
-          </a:extLst>
-        </p:spPr>
-        <p:txBody>
-          <a:bodyPr vert="horz" wrap="square" lIns="91440" tIns="45720" rIns="91440" bIns="45720" numCol="1" anchor="ctr" anchorCtr="0" compatLnSpc="1">
-            <a:prstTxWarp prst="textNoShape">
-              <a:avLst/>
-            </a:prstTxWarp>
-            <a:spAutoFit/>
-          </a:bodyPr>
-          <a:lstStyle/>
-          <a:p>
-            <a:endParaRPr lang="en-IN"/>
-          </a:p>
-        </p:txBody>
-      </p:sp>
-      <p:sp>
-        <p:nvSpPr>
-          <p:cNvPr id="7" name="Rectangle 5">
-            <a:extLst>
-              <a:ext uri="{FF2B5EF4-FFF2-40B4-BE49-F238E27FC236}">
-                <a16:creationId xmlns:a16="http://schemas.microsoft.com/office/drawing/2014/main" id="{03883396-D3E8-4A55-82C8-3FDE39BC14F0}"/>
-              </a:ext>
-            </a:extLst>
-          </p:cNvPr>
-          <p:cNvSpPr>
-            <a:spLocks noChangeArrowheads="1"/>
-          </p:cNvSpPr>
-          <p:nvPr/>
-        </p:nvSpPr>
-        <p:spPr bwMode="auto">
-          <a:xfrm>
-            <a:off x="2408349" y="2421631"/>
-            <a:ext cx="11374886" cy="457200"/>
-          </a:xfrm>
-          <a:prstGeom prst="rect">
-            <a:avLst/>
-          </a:prstGeom>
-          <a:noFill/>
-          <a:ln>
-            <a:noFill/>
-          </a:ln>
-          <a:effectLst/>
-          <a:extLst>
-            <a:ext uri="{909E8E84-426E-40DD-AFC4-6F175D3DCCD1}">
-              <a14:hiddenFill xmlns:a14="http://schemas.microsoft.com/office/drawing/2010/main">
-                <a:solidFill>
-                  <a:schemeClr val="accent1"/>
-                </a:solidFill>
-              </a14:hiddenFill>
-            </a:ext>
-            <a:ext uri="{91240B29-F687-4F45-9708-019B960494DF}">
-              <a14:hiddenLine xmlns:a14="http://schemas.microsoft.com/office/drawing/2010/main" w="9525">
-                <a:solidFill>
-                  <a:schemeClr val="tx1"/>
-                </a:solidFill>
-                <a:miter lim="800000"/>
-                <a:headEnd/>
-                <a:tailEnd/>
-              </a14:hiddenLine>
-            </a:ext>
-            <a:ext uri="{AF507438-7753-43E0-B8FC-AC1667EBCBE1}">
-              <a14:hiddenEffects xmlns:a14="http://schemas.microsoft.com/office/drawing/2010/main">
-                <a:effectLst>
-                  <a:outerShdw dist="35921" dir="2700000" algn="ctr" rotWithShape="0">
-                    <a:schemeClr val="bg2"/>
-                  </a:outerShdw>
-                </a:effectLst>
-              </a14:hiddenEffects>
-            </a:ext>
-          </a:extLst>
-        </p:spPr>
-        <p:txBody>
-          <a:bodyPr vert="horz" wrap="square" lIns="91440" tIns="45720" rIns="91440" bIns="45720" numCol="1" anchor="ctr" anchorCtr="0" compatLnSpc="1">
-            <a:prstTxWarp prst="textNoShape">
-              <a:avLst/>
-            </a:prstTxWarp>
-            <a:spAutoFit/>
-          </a:bodyPr>
-          <a:lstStyle/>
-          <a:p>
-            <a:endParaRPr lang="en-IN"/>
-          </a:p>
-        </p:txBody>
-      </p:sp>
-      <p:pic>
-        <p:nvPicPr>
-          <p:cNvPr id="2050" name="Picture 2">
-            <a:extLst>
-              <a:ext uri="{FF2B5EF4-FFF2-40B4-BE49-F238E27FC236}">
-                <a16:creationId xmlns:a16="http://schemas.microsoft.com/office/drawing/2014/main" id="{873220F4-1636-4CB1-B5E5-FE0BC125D310}"/>
-              </a:ext>
-            </a:extLst>
-          </p:cNvPr>
-          <p:cNvPicPr>
-            <a:picLocks noChangeAspect="1" noChangeArrowheads="1"/>
-          </p:cNvPicPr>
-          <p:nvPr/>
-        </p:nvPicPr>
-        <p:blipFill>
-          <a:blip r:embed="rId2">
-            <a:extLst>
-              <a:ext uri="{28A0092B-C50C-407E-A947-70E740481C1C}">
-                <a14:useLocalDpi xmlns:a14="http://schemas.microsoft.com/office/drawing/2010/main" val="0"/>
-              </a:ext>
-            </a:extLst>
-          </a:blip>
-          <a:srcRect/>
-          <a:stretch>
-            <a:fillRect/>
-          </a:stretch>
-        </p:blipFill>
-        <p:spPr bwMode="auto">
-          <a:xfrm>
-            <a:off x="1818969" y="1393434"/>
-            <a:ext cx="8550884" cy="5171471"/>
-          </a:xfrm>
-          <a:prstGeom prst="rect">
-            <a:avLst/>
-          </a:prstGeom>
-          <a:noFill/>
-          <a:extLst>
-            <a:ext uri="{909E8E84-426E-40DD-AFC4-6F175D3DCCD1}">
-              <a14:hiddenFill xmlns:a14="http://schemas.microsoft.com/office/drawing/2010/main">
-                <a:solidFill>
-                  <a:srgbClr val="FFFFFF"/>
-                </a:solidFill>
-              </a14:hiddenFill>
-            </a:ext>
-          </a:extLst>
-        </p:spPr>
-      </p:pic>
-    </p:spTree>
-    <p:extLst>
-      <p:ext uri="{BB962C8B-B14F-4D97-AF65-F5344CB8AC3E}">
-        <p14:creationId xmlns:p14="http://schemas.microsoft.com/office/powerpoint/2010/main" val="2200223011"/>
-      </p:ext>
-    </p:extLst>
-  </p:cSld>
-  <p:clrMapOvr>
-    <a:masterClrMapping/>
-  </p:clrMapOvr>
-</p:sld>
-</file>
-
-<file path=ppt/slides/slide7.xml><?xml version="1.0" encoding="utf-8"?>
-<p:sld xmlns:a="http://schemas.openxmlformats.org/drawingml/2006/main" xmlns:r="http://schemas.openxmlformats.org/officeDocument/2006/relationships" xmlns:p="http://schemas.openxmlformats.org/presentationml/2006/main">
-  <p:cSld>
-    <p:spTree>
-      <p:nvGrpSpPr>
-        <p:cNvPr id="1" name=""/>
-        <p:cNvGrpSpPr/>
-        <p:nvPr/>
-      </p:nvGrpSpPr>
-      <p:grpSpPr>
-        <a:xfrm>
-          <a:off x="0" y="0"/>
-          <a:ext cx="0" cy="0"/>
-          <a:chOff x="0" y="0"/>
-          <a:chExt cx="0" cy="0"/>
-        </a:xfrm>
-      </p:grpSpPr>
-      <p:sp>
-        <p:nvSpPr>
-          <p:cNvPr id="2" name="Title 1">
-            <a:extLst>
-              <a:ext uri="{FF2B5EF4-FFF2-40B4-BE49-F238E27FC236}">
-                <a16:creationId xmlns:a16="http://schemas.microsoft.com/office/drawing/2014/main" id="{EDC39F2B-D2DB-4F41-BA29-5E53A8BC6913}"/>
-              </a:ext>
-            </a:extLst>
-          </p:cNvPr>
-          <p:cNvSpPr>
-            <a:spLocks noGrp="1"/>
-          </p:cNvSpPr>
-          <p:nvPr>
-            <p:ph type="title"/>
-          </p:nvPr>
-        </p:nvSpPr>
-        <p:spPr>
-          <a:xfrm>
-            <a:off x="1141412" y="382348"/>
-            <a:ext cx="9905998" cy="872314"/>
-          </a:xfrm>
-        </p:spPr>
-        <p:txBody>
-          <a:bodyPr>
-            <a:noAutofit/>
-          </a:bodyPr>
-          <a:lstStyle/>
-          <a:p>
-            <a:r>
-              <a:rPr lang="en-IN" b="1" dirty="0">
-                <a:solidFill>
-                  <a:srgbClr val="002060"/>
-                </a:solidFill>
-                <a:latin typeface="Times New Roman" panose="02020603050405020304" pitchFamily="18" charset="0"/>
-                <a:cs typeface="Times New Roman" panose="02020603050405020304" pitchFamily="18" charset="0"/>
-              </a:rPr>
-              <a:t>class diagram</a:t>
-            </a:r>
-          </a:p>
-        </p:txBody>
-      </p:sp>
-      <p:sp>
-        <p:nvSpPr>
-          <p:cNvPr id="3" name="TextBox 2">
-            <a:extLst>
-              <a:ext uri="{FF2B5EF4-FFF2-40B4-BE49-F238E27FC236}">
-                <a16:creationId xmlns:a16="http://schemas.microsoft.com/office/drawing/2014/main" id="{63E58FED-CA22-4604-BB4D-96E7783F9312}"/>
-              </a:ext>
-            </a:extLst>
-          </p:cNvPr>
-          <p:cNvSpPr txBox="1"/>
-          <p:nvPr/>
-        </p:nvSpPr>
-        <p:spPr>
-          <a:xfrm>
-            <a:off x="981313" y="1400488"/>
-            <a:ext cx="2420654" cy="369332"/>
-          </a:xfrm>
-          <a:prstGeom prst="rect">
-            <a:avLst/>
-          </a:prstGeom>
-          <a:noFill/>
-        </p:spPr>
-        <p:txBody>
-          <a:bodyPr wrap="square" rtlCol="0">
-            <a:spAutoFit/>
-          </a:bodyPr>
-          <a:lstStyle/>
-          <a:p>
-            <a:r>
-              <a:rPr lang="en-IN" b="1" dirty="0">
-                <a:solidFill>
-                  <a:schemeClr val="bg1">
-                    <a:lumMod val="95000"/>
-                    <a:lumOff val="5000"/>
-                  </a:schemeClr>
-                </a:solidFill>
-              </a:rPr>
-              <a:t>GreatOutdoors.Entities</a:t>
-            </a:r>
-            <a:r>
-              <a:rPr lang="en-IN" dirty="0">
-                <a:solidFill>
-                  <a:schemeClr val="bg1">
-                    <a:lumMod val="95000"/>
-                    <a:lumOff val="5000"/>
-                  </a:schemeClr>
-                </a:solidFill>
-              </a:rPr>
-              <a:t>:</a:t>
-            </a:r>
-          </a:p>
-        </p:txBody>
-      </p:sp>
-      <p:sp>
-        <p:nvSpPr>
-          <p:cNvPr id="5" name="Rectangle 3">
-            <a:extLst>
-              <a:ext uri="{FF2B5EF4-FFF2-40B4-BE49-F238E27FC236}">
-                <a16:creationId xmlns:a16="http://schemas.microsoft.com/office/drawing/2014/main" id="{090DE606-AADC-4BD5-8EB9-0C18B0C78986}"/>
-              </a:ext>
-            </a:extLst>
-          </p:cNvPr>
-          <p:cNvSpPr>
-            <a:spLocks noChangeArrowheads="1"/>
-          </p:cNvSpPr>
-          <p:nvPr/>
-        </p:nvSpPr>
-        <p:spPr bwMode="auto">
-          <a:xfrm>
-            <a:off x="2408349" y="850006"/>
-            <a:ext cx="11374886" cy="457200"/>
-          </a:xfrm>
-          <a:prstGeom prst="rect">
-            <a:avLst/>
-          </a:prstGeom>
-          <a:noFill/>
-          <a:ln>
-            <a:noFill/>
-          </a:ln>
-          <a:effectLst/>
-          <a:extLst>
-            <a:ext uri="{909E8E84-426E-40DD-AFC4-6F175D3DCCD1}">
-              <a14:hiddenFill xmlns:a14="http://schemas.microsoft.com/office/drawing/2010/main">
-                <a:solidFill>
-                  <a:schemeClr val="accent1"/>
-                </a:solidFill>
-              </a14:hiddenFill>
-            </a:ext>
-            <a:ext uri="{91240B29-F687-4F45-9708-019B960494DF}">
-              <a14:hiddenLine xmlns:a14="http://schemas.microsoft.com/office/drawing/2010/main" w="9525">
-                <a:solidFill>
-                  <a:schemeClr val="tx1"/>
-                </a:solidFill>
-                <a:miter lim="800000"/>
-                <a:headEnd/>
-                <a:tailEnd/>
-              </a14:hiddenLine>
-            </a:ext>
-            <a:ext uri="{AF507438-7753-43E0-B8FC-AC1667EBCBE1}">
-              <a14:hiddenEffects xmlns:a14="http://schemas.microsoft.com/office/drawing/2010/main">
-                <a:effectLst>
-                  <a:outerShdw dist="35921" dir="2700000" algn="ctr" rotWithShape="0">
-                    <a:schemeClr val="bg2"/>
-                  </a:outerShdw>
-                </a:effectLst>
-              </a14:hiddenEffects>
-            </a:ext>
-          </a:extLst>
-        </p:spPr>
-        <p:txBody>
-          <a:bodyPr vert="horz" wrap="square" lIns="91440" tIns="45720" rIns="91440" bIns="45720" numCol="1" anchor="ctr" anchorCtr="0" compatLnSpc="1">
-            <a:prstTxWarp prst="textNoShape">
-              <a:avLst/>
-            </a:prstTxWarp>
-            <a:spAutoFit/>
-          </a:bodyPr>
-          <a:lstStyle/>
-          <a:p>
-            <a:endParaRPr lang="en-IN"/>
-          </a:p>
-        </p:txBody>
-      </p:sp>
-      <p:sp>
-        <p:nvSpPr>
-          <p:cNvPr id="6" name="Rectangle 4">
-            <a:extLst>
-              <a:ext uri="{FF2B5EF4-FFF2-40B4-BE49-F238E27FC236}">
-                <a16:creationId xmlns:a16="http://schemas.microsoft.com/office/drawing/2014/main" id="{84E3C2EA-D192-4F64-A273-3C4EE3AFA7B0}"/>
-              </a:ext>
-            </a:extLst>
-          </p:cNvPr>
-          <p:cNvSpPr>
-            <a:spLocks noChangeArrowheads="1"/>
-          </p:cNvSpPr>
-          <p:nvPr/>
-        </p:nvSpPr>
-        <p:spPr bwMode="auto">
-          <a:xfrm>
-            <a:off x="2408349" y="1964431"/>
-            <a:ext cx="11374886" cy="457200"/>
-          </a:xfrm>
-          <a:prstGeom prst="rect">
-            <a:avLst/>
-          </a:prstGeom>
-          <a:noFill/>
-          <a:ln>
-            <a:noFill/>
-          </a:ln>
-          <a:effectLst/>
-          <a:extLst>
-            <a:ext uri="{909E8E84-426E-40DD-AFC4-6F175D3DCCD1}">
-              <a14:hiddenFill xmlns:a14="http://schemas.microsoft.com/office/drawing/2010/main">
-                <a:solidFill>
-                  <a:schemeClr val="accent1"/>
-                </a:solidFill>
-              </a14:hiddenFill>
-            </a:ext>
-            <a:ext uri="{91240B29-F687-4F45-9708-019B960494DF}">
-              <a14:hiddenLine xmlns:a14="http://schemas.microsoft.com/office/drawing/2010/main" w="9525">
-                <a:solidFill>
-                  <a:schemeClr val="tx1"/>
-                </a:solidFill>
-                <a:miter lim="800000"/>
-                <a:headEnd/>
-                <a:tailEnd/>
-              </a14:hiddenLine>
-            </a:ext>
-            <a:ext uri="{AF507438-7753-43E0-B8FC-AC1667EBCBE1}">
-              <a14:hiddenEffects xmlns:a14="http://schemas.microsoft.com/office/drawing/2010/main">
-                <a:effectLst>
-                  <a:outerShdw dist="35921" dir="2700000" algn="ctr" rotWithShape="0">
-                    <a:schemeClr val="bg2"/>
-                  </a:outerShdw>
-                </a:effectLst>
-              </a14:hiddenEffects>
-            </a:ext>
-          </a:extLst>
-        </p:spPr>
-        <p:txBody>
-          <a:bodyPr vert="horz" wrap="square" lIns="91440" tIns="45720" rIns="91440" bIns="45720" numCol="1" anchor="ctr" anchorCtr="0" compatLnSpc="1">
-            <a:prstTxWarp prst="textNoShape">
-              <a:avLst/>
-            </a:prstTxWarp>
-            <a:spAutoFit/>
-          </a:bodyPr>
-          <a:lstStyle/>
-          <a:p>
-            <a:endParaRPr lang="en-IN"/>
-          </a:p>
-        </p:txBody>
-      </p:sp>
-      <p:sp>
-        <p:nvSpPr>
-          <p:cNvPr id="7" name="Rectangle 5">
-            <a:extLst>
-              <a:ext uri="{FF2B5EF4-FFF2-40B4-BE49-F238E27FC236}">
-                <a16:creationId xmlns:a16="http://schemas.microsoft.com/office/drawing/2014/main" id="{03883396-D3E8-4A55-82C8-3FDE39BC14F0}"/>
-              </a:ext>
-            </a:extLst>
-          </p:cNvPr>
-          <p:cNvSpPr>
-            <a:spLocks noChangeArrowheads="1"/>
-          </p:cNvSpPr>
-          <p:nvPr/>
-        </p:nvSpPr>
-        <p:spPr bwMode="auto">
-          <a:xfrm>
-            <a:off x="2408349" y="2421631"/>
-            <a:ext cx="11374886" cy="457200"/>
-          </a:xfrm>
-          <a:prstGeom prst="rect">
-            <a:avLst/>
-          </a:prstGeom>
-          <a:noFill/>
-          <a:ln>
-            <a:noFill/>
-          </a:ln>
-          <a:effectLst/>
-          <a:extLst>
-            <a:ext uri="{909E8E84-426E-40DD-AFC4-6F175D3DCCD1}">
-              <a14:hiddenFill xmlns:a14="http://schemas.microsoft.com/office/drawing/2010/main">
-                <a:solidFill>
-                  <a:schemeClr val="accent1"/>
-                </a:solidFill>
-              </a14:hiddenFill>
-            </a:ext>
-            <a:ext uri="{91240B29-F687-4F45-9708-019B960494DF}">
-              <a14:hiddenLine xmlns:a14="http://schemas.microsoft.com/office/drawing/2010/main" w="9525">
-                <a:solidFill>
-                  <a:schemeClr val="tx1"/>
-                </a:solidFill>
-                <a:miter lim="800000"/>
-                <a:headEnd/>
-                <a:tailEnd/>
-              </a14:hiddenLine>
-            </a:ext>
-            <a:ext uri="{AF507438-7753-43E0-B8FC-AC1667EBCBE1}">
-              <a14:hiddenEffects xmlns:a14="http://schemas.microsoft.com/office/drawing/2010/main">
-                <a:effectLst>
-                  <a:outerShdw dist="35921" dir="2700000" algn="ctr" rotWithShape="0">
-                    <a:schemeClr val="bg2"/>
-                  </a:outerShdw>
-                </a:effectLst>
-              </a14:hiddenEffects>
-            </a:ext>
-          </a:extLst>
-        </p:spPr>
-        <p:txBody>
-          <a:bodyPr vert="horz" wrap="square" lIns="91440" tIns="45720" rIns="91440" bIns="45720" numCol="1" anchor="ctr" anchorCtr="0" compatLnSpc="1">
-            <a:prstTxWarp prst="textNoShape">
-              <a:avLst/>
-            </a:prstTxWarp>
-            <a:spAutoFit/>
-          </a:bodyPr>
-          <a:lstStyle/>
-          <a:p>
-            <a:endParaRPr lang="en-IN"/>
-          </a:p>
-        </p:txBody>
-      </p:sp>
-      <p:pic>
-        <p:nvPicPr>
-          <p:cNvPr id="8" name="Picture 7">
-            <a:extLst>
-              <a:ext uri="{FF2B5EF4-FFF2-40B4-BE49-F238E27FC236}">
-                <a16:creationId xmlns:a16="http://schemas.microsoft.com/office/drawing/2014/main" id="{2D424DD1-35AF-4351-8A33-CB8082C6A9A2}"/>
+                <a16:creationId xmlns:a16="http://schemas.microsoft.com/office/drawing/2014/main" xmlns="" id="{2D424DD1-35AF-4351-8A33-CB8082C6A9A2}"/>
               </a:ext>
             </a:extLst>
           </p:cNvPr>
@@ -14542,7 +14235,7 @@
           <p:cNvPr id="4" name="TextBox 3">
             <a:extLst>
               <a:ext uri="{FF2B5EF4-FFF2-40B4-BE49-F238E27FC236}">
-                <a16:creationId xmlns:a16="http://schemas.microsoft.com/office/drawing/2014/main" id="{CB409249-603B-4BCE-BC4A-4A14544EBDCF}"/>
+                <a16:creationId xmlns:a16="http://schemas.microsoft.com/office/drawing/2014/main" xmlns="" id="{CB409249-603B-4BCE-BC4A-4A14544EBDCF}"/>
               </a:ext>
             </a:extLst>
           </p:cNvPr>
@@ -14592,7 +14285,7 @@
           <p:cNvPr id="12" name="TextBox 11">
             <a:extLst>
               <a:ext uri="{FF2B5EF4-FFF2-40B4-BE49-F238E27FC236}">
-                <a16:creationId xmlns:a16="http://schemas.microsoft.com/office/drawing/2014/main" id="{B55B822B-CCD2-4132-B694-1D6F7034884E}"/>
+                <a16:creationId xmlns:a16="http://schemas.microsoft.com/office/drawing/2014/main" xmlns="" id="{B55B822B-CCD2-4132-B694-1D6F7034884E}"/>
               </a:ext>
             </a:extLst>
           </p:cNvPr>
@@ -14642,7 +14335,7 @@
           <p:cNvPr id="13" name="Picture 12">
             <a:extLst>
               <a:ext uri="{FF2B5EF4-FFF2-40B4-BE49-F238E27FC236}">
-                <a16:creationId xmlns:a16="http://schemas.microsoft.com/office/drawing/2014/main" id="{93ED039B-81EF-476F-9512-707C3F097471}"/>
+                <a16:creationId xmlns:a16="http://schemas.microsoft.com/office/drawing/2014/main" xmlns="" id="{93ED039B-81EF-476F-9512-707C3F097471}"/>
               </a:ext>
             </a:extLst>
           </p:cNvPr>
@@ -14681,7 +14374,7 @@
           <p:cNvPr id="3074" name="Picture 2">
             <a:extLst>
               <a:ext uri="{FF2B5EF4-FFF2-40B4-BE49-F238E27FC236}">
-                <a16:creationId xmlns:a16="http://schemas.microsoft.com/office/drawing/2014/main" id="{5F513871-8318-4F0A-9FF6-DD5E21368A18}"/>
+                <a16:creationId xmlns:a16="http://schemas.microsoft.com/office/drawing/2014/main" xmlns="" id="{5F513871-8318-4F0A-9FF6-DD5E21368A18}"/>
               </a:ext>
             </a:extLst>
           </p:cNvPr>
